--- a/ServiceMesh/file/ServiceMesh.pptx
+++ b/ServiceMesh/file/ServiceMesh.pptx
@@ -5,7 +5,7 @@
     <p:sldMasterId id="2147483648" r:id="rId1"/>
   </p:sldMasterIdLst>
   <p:notesMasterIdLst>
-    <p:notesMasterId r:id="rId30"/>
+    <p:notesMasterId r:id="rId31"/>
   </p:notesMasterIdLst>
   <p:sldIdLst>
     <p:sldId id="256" r:id="rId2"/>
@@ -33,9 +33,10 @@
     <p:sldId id="384" r:id="rId24"/>
     <p:sldId id="385" r:id="rId25"/>
     <p:sldId id="386" r:id="rId26"/>
-    <p:sldId id="387" r:id="rId27"/>
-    <p:sldId id="388" r:id="rId28"/>
-    <p:sldId id="352" r:id="rId29"/>
+    <p:sldId id="390" r:id="rId27"/>
+    <p:sldId id="387" r:id="rId28"/>
+    <p:sldId id="388" r:id="rId29"/>
+    <p:sldId id="352" r:id="rId30"/>
   </p:sldIdLst>
   <p:sldSz cx="12192000" cy="6858000"/>
   <p:notesSz cx="7104063" cy="10234613"/>
@@ -164,6 +165,7 @@
             <p14:sldId id="384"/>
             <p14:sldId id="385"/>
             <p14:sldId id="386"/>
+            <p14:sldId id="390"/>
             <p14:sldId id="387"/>
             <p14:sldId id="388"/>
             <p14:sldId id="352"/>
@@ -4916,7 +4918,7 @@
           <a:p>
             <a:r>
               <a:rPr lang="en-US" altLang="zh-CN" dirty="0" err="1"/>
-              <a:t>ServiseMesh</a:t>
+              <a:t>ServiceMesh</a:t>
             </a:r>
             <a:endParaRPr lang="en-US" altLang="zh-CN" dirty="0"/>
           </a:p>
@@ -8607,10 +8609,38 @@
       </p:grpSpPr>
       <p:sp>
         <p:nvSpPr>
-          <p:cNvPr id="5" name="文本框 4">
+          <p:cNvPr id="2" name="标题 1">
             <a:extLst>
               <a:ext uri="{FF2B5EF4-FFF2-40B4-BE49-F238E27FC236}">
-                <a16:creationId xmlns:a16="http://schemas.microsoft.com/office/drawing/2014/main" id="{D3DDE8D0-3629-4276-B0D5-18BDE6BF496C}"/>
+                <a16:creationId xmlns:a16="http://schemas.microsoft.com/office/drawing/2014/main" id="{0F086D07-3175-4D1F-88B7-6C5D0E047E05}"/>
+              </a:ext>
+            </a:extLst>
+          </p:cNvPr>
+          <p:cNvSpPr>
+            <a:spLocks noGrp="1"/>
+          </p:cNvSpPr>
+          <p:nvPr>
+            <p:ph type="title"/>
+          </p:nvPr>
+        </p:nvSpPr>
+        <p:spPr/>
+        <p:txBody>
+          <a:bodyPr/>
+          <a:lstStyle/>
+          <a:p>
+            <a:r>
+              <a:rPr lang="zh-CN" altLang="en-US" dirty="0"/>
+              <a:t>其他模板简单介绍</a:t>
+            </a:r>
+          </a:p>
+        </p:txBody>
+      </p:sp>
+      <p:sp>
+        <p:nvSpPr>
+          <p:cNvPr id="3" name="文本框 2">
+            <a:extLst>
+              <a:ext uri="{FF2B5EF4-FFF2-40B4-BE49-F238E27FC236}">
+                <a16:creationId xmlns:a16="http://schemas.microsoft.com/office/drawing/2014/main" id="{A4B9E7D1-E4CD-4DB3-80F1-F68FDA704CA0}"/>
               </a:ext>
             </a:extLst>
           </p:cNvPr>
@@ -8619,8 +8649,8 @@
         </p:nvSpPr>
         <p:spPr>
           <a:xfrm>
-            <a:off x="1103376" y="1097494"/>
-            <a:ext cx="9643872" cy="2339102"/>
+            <a:off x="792480" y="1755648"/>
+            <a:ext cx="9790176" cy="3139321"/>
           </a:xfrm>
           <a:prstGeom prst="rect">
             <a:avLst/>
@@ -8633,285 +8663,144 @@
           </a:bodyPr>
           <a:lstStyle/>
           <a:p>
-            <a:r>
-              <a:rPr lang="en-US" altLang="zh-CN" sz="3600" b="1" dirty="0" err="1"/>
-              <a:t>kubernetes</a:t>
-            </a:r>
-            <a:endParaRPr lang="en-US" altLang="zh-CN" sz="2800" b="1" dirty="0"/>
-          </a:p>
-          <a:p>
+            <a:pPr marL="342900" indent="-342900">
+              <a:buFont typeface="+mj-lt"/>
+              <a:buAutoNum type="arabicPeriod"/>
+            </a:pPr>
+            <a:r>
+              <a:rPr lang="en-US" altLang="zh-CN" dirty="0"/>
+              <a:t>Mixer</a:t>
+            </a:r>
             <a:br>
-              <a:rPr lang="en-US" altLang="zh-CN" sz="2800" dirty="0"/>
+              <a:rPr lang="zh-CN" altLang="en-US" dirty="0"/>
             </a:br>
-            <a:endParaRPr lang="zh-CN" altLang="en-US" sz="2800" b="1" dirty="0"/>
-          </a:p>
-          <a:p>
-            <a:endParaRPr lang="zh-CN" altLang="en-US" dirty="0"/>
-          </a:p>
-          <a:p>
+            <a:r>
+              <a:rPr lang="en-US" altLang="zh-CN" dirty="0"/>
+              <a:t>Mixer </a:t>
+            </a:r>
+            <a:r>
+              <a:rPr lang="zh-CN" altLang="en-US" dirty="0"/>
+              <a:t>是一个独立于平台的组件，负责在服务网格上执行访问控制和使用策略，并从 </a:t>
+            </a:r>
+            <a:r>
+              <a:rPr lang="en-US" altLang="zh-CN" dirty="0"/>
+              <a:t>Envoy </a:t>
+            </a:r>
+            <a:r>
+              <a:rPr lang="zh-CN" altLang="en-US" dirty="0"/>
+              <a:t>代理和其他服务收集遥测数据。代理提取请求级属性，发送到 </a:t>
+            </a:r>
+            <a:r>
+              <a:rPr lang="en-US" altLang="zh-CN" dirty="0"/>
+              <a:t>Mixer </a:t>
+            </a:r>
+            <a:r>
+              <a:rPr lang="zh-CN" altLang="en-US" dirty="0"/>
+              <a:t>进行评估。</a:t>
+            </a:r>
+            <a:endParaRPr lang="en-US" altLang="zh-CN" dirty="0"/>
+          </a:p>
+          <a:p>
+            <a:pPr marL="342900" indent="-342900">
+              <a:buFont typeface="+mj-lt"/>
+              <a:buAutoNum type="arabicPeriod"/>
+            </a:pPr>
+            <a:r>
+              <a:rPr lang="en-US" altLang="zh-CN" dirty="0"/>
+              <a:t>Citadel</a:t>
+            </a:r>
             <a:br>
               <a:rPr lang="zh-CN" altLang="en-US" dirty="0"/>
             </a:br>
-            <a:endParaRPr lang="zh-CN" altLang="en-US" dirty="0"/>
-          </a:p>
-        </p:txBody>
-      </p:sp>
-      <p:sp>
-        <p:nvSpPr>
-          <p:cNvPr id="8" name="文本框 7">
-            <a:extLst>
-              <a:ext uri="{FF2B5EF4-FFF2-40B4-BE49-F238E27FC236}">
-                <a16:creationId xmlns:a16="http://schemas.microsoft.com/office/drawing/2014/main" id="{1FF24F58-4665-46F0-A5B5-7B88C3EDB1D7}"/>
-              </a:ext>
-            </a:extLst>
-          </p:cNvPr>
-          <p:cNvSpPr txBox="1"/>
-          <p:nvPr/>
-        </p:nvSpPr>
-        <p:spPr>
-          <a:xfrm>
-            <a:off x="1103376" y="2020823"/>
-            <a:ext cx="8936736" cy="2031325"/>
-          </a:xfrm>
-          <a:prstGeom prst="rect">
-            <a:avLst/>
-          </a:prstGeom>
-          <a:noFill/>
-        </p:spPr>
-        <p:txBody>
-          <a:bodyPr wrap="square" rtlCol="0">
-            <a:spAutoFit/>
-          </a:bodyPr>
-          <a:lstStyle/>
-          <a:p>
+            <a:r>
+              <a:rPr lang="en-US" altLang="zh-CN" dirty="0"/>
+              <a:t>Citadel </a:t>
+            </a:r>
+            <a:r>
+              <a:rPr lang="zh-CN" altLang="en-US" dirty="0"/>
+              <a:t>通过内置身份和凭证管理赋能强大的服务间和最终用户身份验证。可用于升级服务网格中未加密的流量，并为运维人员提供基于服务标识而不是网络控制的强制执行策略的能力。从 </a:t>
+            </a:r>
+            <a:r>
+              <a:rPr lang="en-US" altLang="zh-CN" dirty="0"/>
+              <a:t>0.5 </a:t>
+            </a:r>
+            <a:r>
+              <a:rPr lang="zh-CN" altLang="en-US" dirty="0"/>
+              <a:t>版本开始，</a:t>
+            </a:r>
+            <a:r>
+              <a:rPr lang="en-US" altLang="zh-CN" dirty="0" err="1"/>
+              <a:t>Istio</a:t>
+            </a:r>
+            <a:r>
+              <a:rPr lang="en-US" altLang="zh-CN" dirty="0"/>
+              <a:t> </a:t>
+            </a:r>
+            <a:r>
+              <a:rPr lang="zh-CN" altLang="en-US" dirty="0"/>
+              <a:t>支持基于角色的访问控制，以控制谁可以访问您的服务，而不是基于不稳定的三层或四层网络标识。</a:t>
+            </a:r>
+            <a:endParaRPr lang="en-US" altLang="zh-CN" dirty="0"/>
+          </a:p>
+          <a:p>
+            <a:pPr marL="342900" indent="-342900">
+              <a:buFont typeface="+mj-lt"/>
+              <a:buAutoNum type="arabicPeriod"/>
+            </a:pPr>
+            <a:r>
+              <a:rPr lang="en-US" altLang="zh-CN" dirty="0"/>
+              <a:t>Galley</a:t>
+            </a:r>
+            <a:br>
+              <a:rPr lang="zh-CN" altLang="en-US" dirty="0"/>
+            </a:br>
+            <a:r>
+              <a:rPr lang="en-US" altLang="zh-CN" dirty="0"/>
+              <a:t>Galley </a:t>
+            </a:r>
+            <a:r>
+              <a:rPr lang="zh-CN" altLang="en-US" dirty="0"/>
+              <a:t>将担任 </a:t>
+            </a:r>
+            <a:r>
+              <a:rPr lang="en-US" altLang="zh-CN" dirty="0" err="1"/>
+              <a:t>Istio</a:t>
+            </a:r>
+            <a:r>
+              <a:rPr lang="en-US" altLang="zh-CN" dirty="0"/>
+              <a:t> </a:t>
+            </a:r>
+            <a:r>
+              <a:rPr lang="zh-CN" altLang="en-US" dirty="0"/>
+              <a:t>的配置验证，获取配置，处理和分配组件的任务。它负责将其余的 </a:t>
+            </a:r>
+            <a:r>
+              <a:rPr lang="en-US" altLang="zh-CN" dirty="0" err="1"/>
+              <a:t>Istio</a:t>
+            </a:r>
+            <a:r>
+              <a:rPr lang="en-US" altLang="zh-CN" dirty="0"/>
+              <a:t> </a:t>
+            </a:r>
+            <a:r>
+              <a:rPr lang="zh-CN" altLang="en-US" dirty="0"/>
+              <a:t>组件与从底层平台（例如 </a:t>
+            </a:r>
             <a:r>
               <a:rPr lang="en-US" altLang="zh-CN" dirty="0"/>
               <a:t>Kubernetes</a:t>
             </a:r>
             <a:r>
               <a:rPr lang="zh-CN" altLang="en-US" dirty="0"/>
-              <a:t>是一个开源的，用于管理云平台中多个主机上的容器化的应用，</a:t>
-            </a:r>
-            <a:r>
-              <a:rPr lang="en-US" altLang="zh-CN" dirty="0"/>
-              <a:t>Kubernetes</a:t>
-            </a:r>
-            <a:r>
-              <a:rPr lang="zh-CN" altLang="en-US" dirty="0"/>
-              <a:t>的目标是让部署容器化的应用简单并且高效（</a:t>
-            </a:r>
-            <a:r>
-              <a:rPr lang="en-US" altLang="zh-CN" dirty="0"/>
-              <a:t>powerful</a:t>
-            </a:r>
-            <a:r>
-              <a:rPr lang="zh-CN" altLang="en-US" dirty="0"/>
-              <a:t>）</a:t>
-            </a:r>
-            <a:r>
-              <a:rPr lang="en-US" altLang="zh-CN" dirty="0"/>
-              <a:t>,Kubernetes</a:t>
-            </a:r>
-            <a:r>
-              <a:rPr lang="zh-CN" altLang="en-US" dirty="0"/>
-              <a:t>提供了应用部署，规划，更新，维护的一种机制。</a:t>
-            </a:r>
-          </a:p>
-          <a:p>
-            <a:r>
-              <a:rPr lang="zh-CN" altLang="en-US" dirty="0"/>
-              <a:t>一个</a:t>
-            </a:r>
-            <a:r>
-              <a:rPr lang="en-US" altLang="zh-CN" dirty="0"/>
-              <a:t>K8S</a:t>
-            </a:r>
-            <a:r>
-              <a:rPr lang="zh-CN" altLang="en-US" dirty="0"/>
-              <a:t>系统，通常称为一个</a:t>
-            </a:r>
-            <a:r>
-              <a:rPr lang="en-US" altLang="zh-CN" dirty="0"/>
-              <a:t>K8S</a:t>
-            </a:r>
-            <a:r>
-              <a:rPr lang="zh-CN" altLang="en-US" dirty="0"/>
-              <a:t>集群（</a:t>
-            </a:r>
-            <a:r>
-              <a:rPr lang="en-US" altLang="zh-CN" dirty="0"/>
-              <a:t>Cluster</a:t>
-            </a:r>
-            <a:r>
-              <a:rPr lang="zh-CN" altLang="en-US" dirty="0"/>
-              <a:t>）。</a:t>
-            </a:r>
-          </a:p>
-          <a:p>
-            <a:r>
-              <a:rPr lang="zh-CN" altLang="en-US" dirty="0"/>
-              <a:t>这个集群主要包括两个部分：</a:t>
-            </a:r>
-          </a:p>
-          <a:p>
-            <a:r>
-              <a:rPr lang="zh-CN" altLang="en-US" dirty="0"/>
-              <a:t>一个</a:t>
-            </a:r>
-            <a:r>
-              <a:rPr lang="en-US" altLang="zh-CN" dirty="0"/>
-              <a:t>Master</a:t>
-            </a:r>
-            <a:r>
-              <a:rPr lang="zh-CN" altLang="en-US" dirty="0"/>
-              <a:t>节点（主节点）</a:t>
-            </a:r>
-          </a:p>
-          <a:p>
-            <a:r>
-              <a:rPr lang="zh-CN" altLang="en-US" dirty="0"/>
-              <a:t>一群</a:t>
-            </a:r>
-            <a:r>
-              <a:rPr lang="en-US" altLang="zh-CN" dirty="0"/>
-              <a:t>Node</a:t>
-            </a:r>
-            <a:r>
-              <a:rPr lang="zh-CN" altLang="en-US" dirty="0"/>
-              <a:t>节点（计算节点）</a:t>
-            </a:r>
-          </a:p>
-        </p:txBody>
-      </p:sp>
-      <p:sp>
-        <p:nvSpPr>
-          <p:cNvPr id="3" name="文本框 2">
-            <a:extLst>
-              <a:ext uri="{FF2B5EF4-FFF2-40B4-BE49-F238E27FC236}">
-                <a16:creationId xmlns:a16="http://schemas.microsoft.com/office/drawing/2014/main" id="{E6F1D3AC-16B6-4CD6-84A1-4512DA744423}"/>
-              </a:ext>
-            </a:extLst>
-          </p:cNvPr>
-          <p:cNvSpPr txBox="1"/>
-          <p:nvPr/>
-        </p:nvSpPr>
-        <p:spPr>
-          <a:xfrm>
-            <a:off x="1103376" y="4383024"/>
-            <a:ext cx="9290304" cy="2308324"/>
-          </a:xfrm>
-          <a:prstGeom prst="rect">
-            <a:avLst/>
-          </a:prstGeom>
-          <a:noFill/>
-        </p:spPr>
-        <p:txBody>
-          <a:bodyPr wrap="square" rtlCol="0">
-            <a:spAutoFit/>
-          </a:bodyPr>
-          <a:lstStyle/>
-          <a:p>
-            <a:r>
-              <a:rPr lang="en-US" altLang="zh-CN" b="1" dirty="0"/>
-              <a:t>Master</a:t>
-            </a:r>
-            <a:r>
-              <a:rPr lang="zh-CN" altLang="en-US" b="1" dirty="0"/>
-              <a:t>节点</a:t>
-            </a:r>
-            <a:br>
-              <a:rPr lang="zh-CN" altLang="en-US" dirty="0"/>
-            </a:br>
-            <a:br>
-              <a:rPr lang="zh-CN" altLang="en-US" dirty="0"/>
-            </a:br>
-            <a:r>
-              <a:rPr lang="en-US" altLang="zh-CN" dirty="0"/>
-              <a:t>Master</a:t>
-            </a:r>
-            <a:r>
-              <a:rPr lang="zh-CN" altLang="en-US" dirty="0"/>
-              <a:t>节点包括</a:t>
-            </a:r>
-            <a:r>
-              <a:rPr lang="en-US" altLang="zh-CN" dirty="0"/>
-              <a:t>API Server</a:t>
-            </a:r>
-            <a:r>
-              <a:rPr lang="zh-CN" altLang="en-US" dirty="0"/>
-              <a:t>、</a:t>
-            </a:r>
-            <a:r>
-              <a:rPr lang="en-US" altLang="zh-CN" dirty="0"/>
-              <a:t>Scheduler</a:t>
-            </a:r>
-            <a:r>
-              <a:rPr lang="zh-CN" altLang="en-US" dirty="0"/>
-              <a:t>、</a:t>
-            </a:r>
-            <a:r>
-              <a:rPr lang="en-US" altLang="zh-CN" dirty="0"/>
-              <a:t>Controller manager</a:t>
-            </a:r>
-            <a:r>
-              <a:rPr lang="zh-CN" altLang="en-US" dirty="0"/>
-              <a:t>、</a:t>
-            </a:r>
-            <a:r>
-              <a:rPr lang="en-US" altLang="zh-CN" dirty="0" err="1"/>
-              <a:t>etcd</a:t>
-            </a:r>
-            <a:r>
-              <a:rPr lang="zh-CN" altLang="en-US" dirty="0"/>
-              <a:t>。</a:t>
-            </a:r>
-            <a:br>
-              <a:rPr lang="en-US" altLang="zh-CN" dirty="0"/>
-            </a:br>
-            <a:r>
-              <a:rPr lang="en-US" altLang="zh-CN" dirty="0"/>
-              <a:t>API Server</a:t>
-            </a:r>
-            <a:r>
-              <a:rPr lang="zh-CN" altLang="en-US" dirty="0"/>
-              <a:t>是整个系统的对外接口，供客户端和其它组件调用，相当于“营业厅”。</a:t>
-            </a:r>
-            <a:br>
-              <a:rPr lang="en-US" altLang="zh-CN" dirty="0"/>
-            </a:br>
-            <a:r>
-              <a:rPr lang="en-US" altLang="zh-CN" dirty="0"/>
-              <a:t>Scheduler</a:t>
-            </a:r>
-            <a:r>
-              <a:rPr lang="zh-CN" altLang="en-US" dirty="0"/>
-              <a:t>负责对集群内部的资源进行调度，相当于“调度室”。</a:t>
-            </a:r>
-            <a:br>
-              <a:rPr lang="en-US" altLang="zh-CN" dirty="0"/>
-            </a:br>
-            <a:r>
-              <a:rPr lang="en-US" altLang="zh-CN" dirty="0"/>
-              <a:t>Controller manager</a:t>
-            </a:r>
-            <a:r>
-              <a:rPr lang="zh-CN" altLang="en-US" dirty="0"/>
-              <a:t>负责管理控制器，相当于“大总管”。</a:t>
-            </a:r>
-            <a:br>
-              <a:rPr lang="zh-CN" altLang="en-US" dirty="0"/>
-            </a:br>
-            <a:br>
-              <a:rPr lang="zh-CN" altLang="en-US" dirty="0"/>
-            </a:br>
-            <a:endParaRPr lang="zh-CN" altLang="en-US" dirty="0"/>
+              <a:t>）获取用户配置的细节中隔离开来。</a:t>
+            </a:r>
           </a:p>
         </p:txBody>
       </p:sp>
     </p:spTree>
     <p:extLst>
       <p:ext uri="{BB962C8B-B14F-4D97-AF65-F5344CB8AC3E}">
-        <p14:creationId xmlns:p14="http://schemas.microsoft.com/office/powerpoint/2010/main" val="3608142284"/>
+        <p14:creationId xmlns:p14="http://schemas.microsoft.com/office/powerpoint/2010/main" val="2869592509"/>
       </p:ext>
     </p:extLst>
   </p:cSld>
@@ -8953,6 +8842,339 @@
         <p:spPr>
           <a:xfrm>
             <a:off x="1103376" y="1097494"/>
+            <a:ext cx="9643872" cy="2339102"/>
+          </a:xfrm>
+          <a:prstGeom prst="rect">
+            <a:avLst/>
+          </a:prstGeom>
+          <a:noFill/>
+        </p:spPr>
+        <p:txBody>
+          <a:bodyPr wrap="square" rtlCol="0">
+            <a:spAutoFit/>
+          </a:bodyPr>
+          <a:lstStyle/>
+          <a:p>
+            <a:r>
+              <a:rPr lang="en-US" altLang="zh-CN" sz="3600" b="1" dirty="0" err="1"/>
+              <a:t>kubernetes</a:t>
+            </a:r>
+            <a:endParaRPr lang="en-US" altLang="zh-CN" sz="2800" b="1" dirty="0"/>
+          </a:p>
+          <a:p>
+            <a:br>
+              <a:rPr lang="en-US" altLang="zh-CN" sz="2800" dirty="0"/>
+            </a:br>
+            <a:endParaRPr lang="zh-CN" altLang="en-US" sz="2800" b="1" dirty="0"/>
+          </a:p>
+          <a:p>
+            <a:endParaRPr lang="zh-CN" altLang="en-US" dirty="0"/>
+          </a:p>
+          <a:p>
+            <a:br>
+              <a:rPr lang="zh-CN" altLang="en-US" dirty="0"/>
+            </a:br>
+            <a:endParaRPr lang="zh-CN" altLang="en-US" dirty="0"/>
+          </a:p>
+        </p:txBody>
+      </p:sp>
+      <p:sp>
+        <p:nvSpPr>
+          <p:cNvPr id="8" name="文本框 7">
+            <a:extLst>
+              <a:ext uri="{FF2B5EF4-FFF2-40B4-BE49-F238E27FC236}">
+                <a16:creationId xmlns:a16="http://schemas.microsoft.com/office/drawing/2014/main" id="{1FF24F58-4665-46F0-A5B5-7B88C3EDB1D7}"/>
+              </a:ext>
+            </a:extLst>
+          </p:cNvPr>
+          <p:cNvSpPr txBox="1"/>
+          <p:nvPr/>
+        </p:nvSpPr>
+        <p:spPr>
+          <a:xfrm>
+            <a:off x="1103376" y="2020823"/>
+            <a:ext cx="8936736" cy="2031325"/>
+          </a:xfrm>
+          <a:prstGeom prst="rect">
+            <a:avLst/>
+          </a:prstGeom>
+          <a:noFill/>
+        </p:spPr>
+        <p:txBody>
+          <a:bodyPr wrap="square" rtlCol="0">
+            <a:spAutoFit/>
+          </a:bodyPr>
+          <a:lstStyle/>
+          <a:p>
+            <a:r>
+              <a:rPr lang="en-US" altLang="zh-CN" dirty="0"/>
+              <a:t>Kubernetes</a:t>
+            </a:r>
+            <a:r>
+              <a:rPr lang="zh-CN" altLang="en-US" dirty="0"/>
+              <a:t>是一个开源的，用于管理云平台中多个主机上的容器化的应用，</a:t>
+            </a:r>
+            <a:r>
+              <a:rPr lang="en-US" altLang="zh-CN" dirty="0"/>
+              <a:t>Kubernetes</a:t>
+            </a:r>
+            <a:r>
+              <a:rPr lang="zh-CN" altLang="en-US" dirty="0"/>
+              <a:t>的目标是让部署容器化的应用简单并且高效（</a:t>
+            </a:r>
+            <a:r>
+              <a:rPr lang="en-US" altLang="zh-CN" dirty="0"/>
+              <a:t>powerful</a:t>
+            </a:r>
+            <a:r>
+              <a:rPr lang="zh-CN" altLang="en-US" dirty="0"/>
+              <a:t>）</a:t>
+            </a:r>
+            <a:r>
+              <a:rPr lang="en-US" altLang="zh-CN" dirty="0"/>
+              <a:t>,Kubernetes</a:t>
+            </a:r>
+            <a:r>
+              <a:rPr lang="zh-CN" altLang="en-US" dirty="0"/>
+              <a:t>提供了应用部署，规划，更新，维护的一种机制。</a:t>
+            </a:r>
+          </a:p>
+          <a:p>
+            <a:r>
+              <a:rPr lang="zh-CN" altLang="en-US" dirty="0"/>
+              <a:t>一个</a:t>
+            </a:r>
+            <a:r>
+              <a:rPr lang="en-US" altLang="zh-CN" dirty="0"/>
+              <a:t>K8S</a:t>
+            </a:r>
+            <a:r>
+              <a:rPr lang="zh-CN" altLang="en-US" dirty="0"/>
+              <a:t>系统，通常称为一个</a:t>
+            </a:r>
+            <a:r>
+              <a:rPr lang="en-US" altLang="zh-CN" dirty="0"/>
+              <a:t>K8S</a:t>
+            </a:r>
+            <a:r>
+              <a:rPr lang="zh-CN" altLang="en-US" dirty="0"/>
+              <a:t>集群（</a:t>
+            </a:r>
+            <a:r>
+              <a:rPr lang="en-US" altLang="zh-CN" dirty="0"/>
+              <a:t>Cluster</a:t>
+            </a:r>
+            <a:r>
+              <a:rPr lang="zh-CN" altLang="en-US" dirty="0"/>
+              <a:t>）。</a:t>
+            </a:r>
+          </a:p>
+          <a:p>
+            <a:r>
+              <a:rPr lang="zh-CN" altLang="en-US" dirty="0"/>
+              <a:t>这个集群主要包括两个部分：</a:t>
+            </a:r>
+          </a:p>
+          <a:p>
+            <a:r>
+              <a:rPr lang="zh-CN" altLang="en-US" dirty="0"/>
+              <a:t>一个</a:t>
+            </a:r>
+            <a:r>
+              <a:rPr lang="en-US" altLang="zh-CN" dirty="0"/>
+              <a:t>Master</a:t>
+            </a:r>
+            <a:r>
+              <a:rPr lang="zh-CN" altLang="en-US" dirty="0"/>
+              <a:t>节点（主节点）</a:t>
+            </a:r>
+          </a:p>
+          <a:p>
+            <a:r>
+              <a:rPr lang="zh-CN" altLang="en-US" dirty="0"/>
+              <a:t>一群</a:t>
+            </a:r>
+            <a:r>
+              <a:rPr lang="en-US" altLang="zh-CN" dirty="0"/>
+              <a:t>Node</a:t>
+            </a:r>
+            <a:r>
+              <a:rPr lang="zh-CN" altLang="en-US" dirty="0"/>
+              <a:t>节点（计算节点）</a:t>
+            </a:r>
+          </a:p>
+        </p:txBody>
+      </p:sp>
+      <p:sp>
+        <p:nvSpPr>
+          <p:cNvPr id="3" name="文本框 2">
+            <a:extLst>
+              <a:ext uri="{FF2B5EF4-FFF2-40B4-BE49-F238E27FC236}">
+                <a16:creationId xmlns:a16="http://schemas.microsoft.com/office/drawing/2014/main" id="{E6F1D3AC-16B6-4CD6-84A1-4512DA744423}"/>
+              </a:ext>
+            </a:extLst>
+          </p:cNvPr>
+          <p:cNvSpPr txBox="1"/>
+          <p:nvPr/>
+        </p:nvSpPr>
+        <p:spPr>
+          <a:xfrm>
+            <a:off x="1103376" y="4383024"/>
+            <a:ext cx="9290304" cy="2308324"/>
+          </a:xfrm>
+          <a:prstGeom prst="rect">
+            <a:avLst/>
+          </a:prstGeom>
+          <a:noFill/>
+        </p:spPr>
+        <p:txBody>
+          <a:bodyPr wrap="square" rtlCol="0">
+            <a:spAutoFit/>
+          </a:bodyPr>
+          <a:lstStyle/>
+          <a:p>
+            <a:r>
+              <a:rPr lang="en-US" altLang="zh-CN" b="1" dirty="0"/>
+              <a:t>Master</a:t>
+            </a:r>
+            <a:r>
+              <a:rPr lang="zh-CN" altLang="en-US" b="1" dirty="0"/>
+              <a:t>节点</a:t>
+            </a:r>
+            <a:br>
+              <a:rPr lang="zh-CN" altLang="en-US" dirty="0"/>
+            </a:br>
+            <a:br>
+              <a:rPr lang="zh-CN" altLang="en-US" dirty="0"/>
+            </a:br>
+            <a:r>
+              <a:rPr lang="en-US" altLang="zh-CN" dirty="0"/>
+              <a:t>Master</a:t>
+            </a:r>
+            <a:r>
+              <a:rPr lang="zh-CN" altLang="en-US" dirty="0"/>
+              <a:t>节点包括</a:t>
+            </a:r>
+            <a:r>
+              <a:rPr lang="en-US" altLang="zh-CN" dirty="0"/>
+              <a:t>API Server</a:t>
+            </a:r>
+            <a:r>
+              <a:rPr lang="zh-CN" altLang="en-US" dirty="0"/>
+              <a:t>、</a:t>
+            </a:r>
+            <a:r>
+              <a:rPr lang="en-US" altLang="zh-CN" dirty="0"/>
+              <a:t>Scheduler</a:t>
+            </a:r>
+            <a:r>
+              <a:rPr lang="zh-CN" altLang="en-US" dirty="0"/>
+              <a:t>、</a:t>
+            </a:r>
+            <a:r>
+              <a:rPr lang="en-US" altLang="zh-CN" dirty="0"/>
+              <a:t>Controller manager</a:t>
+            </a:r>
+            <a:r>
+              <a:rPr lang="zh-CN" altLang="en-US" dirty="0"/>
+              <a:t>、</a:t>
+            </a:r>
+            <a:r>
+              <a:rPr lang="en-US" altLang="zh-CN" dirty="0" err="1"/>
+              <a:t>etcd</a:t>
+            </a:r>
+            <a:r>
+              <a:rPr lang="zh-CN" altLang="en-US" dirty="0"/>
+              <a:t>。</a:t>
+            </a:r>
+            <a:br>
+              <a:rPr lang="en-US" altLang="zh-CN" dirty="0"/>
+            </a:br>
+            <a:r>
+              <a:rPr lang="en-US" altLang="zh-CN" dirty="0"/>
+              <a:t>API Server</a:t>
+            </a:r>
+            <a:r>
+              <a:rPr lang="zh-CN" altLang="en-US" dirty="0"/>
+              <a:t>是整个系统的对外接口，供客户端和其它组件调用，相当于“营业厅”。</a:t>
+            </a:r>
+            <a:br>
+              <a:rPr lang="en-US" altLang="zh-CN" dirty="0"/>
+            </a:br>
+            <a:r>
+              <a:rPr lang="en-US" altLang="zh-CN" dirty="0"/>
+              <a:t>Scheduler</a:t>
+            </a:r>
+            <a:r>
+              <a:rPr lang="zh-CN" altLang="en-US" dirty="0"/>
+              <a:t>负责对集群内部的资源进行调度，相当于“调度室”。</a:t>
+            </a:r>
+            <a:br>
+              <a:rPr lang="en-US" altLang="zh-CN" dirty="0"/>
+            </a:br>
+            <a:r>
+              <a:rPr lang="en-US" altLang="zh-CN" dirty="0"/>
+              <a:t>Controller manager</a:t>
+            </a:r>
+            <a:r>
+              <a:rPr lang="zh-CN" altLang="en-US" dirty="0"/>
+              <a:t>负责管理控制器，相当于“大总管”。</a:t>
+            </a:r>
+            <a:br>
+              <a:rPr lang="zh-CN" altLang="en-US" dirty="0"/>
+            </a:br>
+            <a:br>
+              <a:rPr lang="zh-CN" altLang="en-US" dirty="0"/>
+            </a:br>
+            <a:endParaRPr lang="zh-CN" altLang="en-US" dirty="0"/>
+          </a:p>
+        </p:txBody>
+      </p:sp>
+    </p:spTree>
+    <p:extLst>
+      <p:ext uri="{BB962C8B-B14F-4D97-AF65-F5344CB8AC3E}">
+        <p14:creationId xmlns:p14="http://schemas.microsoft.com/office/powerpoint/2010/main" val="3608142284"/>
+      </p:ext>
+    </p:extLst>
+  </p:cSld>
+  <p:clrMapOvr>
+    <a:masterClrMapping/>
+  </p:clrMapOvr>
+</p:sld>
+</file>
+
+<file path=ppt/slides/slide28.xml><?xml version="1.0" encoding="utf-8"?>
+<p:sld xmlns:a="http://schemas.openxmlformats.org/drawingml/2006/main" xmlns:r="http://schemas.openxmlformats.org/officeDocument/2006/relationships" xmlns:p="http://schemas.openxmlformats.org/presentationml/2006/main">
+  <p:cSld>
+    <p:spTree>
+      <p:nvGrpSpPr>
+        <p:cNvPr id="1" name=""/>
+        <p:cNvGrpSpPr/>
+        <p:nvPr/>
+      </p:nvGrpSpPr>
+      <p:grpSpPr>
+        <a:xfrm>
+          <a:off x="0" y="0"/>
+          <a:ext cx="0" cy="0"/>
+          <a:chOff x="0" y="0"/>
+          <a:chExt cx="0" cy="0"/>
+        </a:xfrm>
+      </p:grpSpPr>
+      <p:sp>
+        <p:nvSpPr>
+          <p:cNvPr id="5" name="文本框 4">
+            <a:extLst>
+              <a:ext uri="{FF2B5EF4-FFF2-40B4-BE49-F238E27FC236}">
+                <a16:creationId xmlns:a16="http://schemas.microsoft.com/office/drawing/2014/main" id="{D3DDE8D0-3629-4276-B0D5-18BDE6BF496C}"/>
+              </a:ext>
+            </a:extLst>
+          </p:cNvPr>
+          <p:cNvSpPr txBox="1"/>
+          <p:nvPr/>
+        </p:nvSpPr>
+        <p:spPr>
+          <a:xfrm>
+            <a:off x="1103376" y="1097494"/>
             <a:ext cx="9643872" cy="2215991"/>
           </a:xfrm>
           <a:prstGeom prst="rect">
@@ -9198,7 +9420,7 @@
 </p:sld>
 </file>
 
-<file path=ppt/slides/slide28.xml><?xml version="1.0" encoding="utf-8"?>
+<file path=ppt/slides/slide29.xml><?xml version="1.0" encoding="utf-8"?>
 <p:sld xmlns:a="http://schemas.openxmlformats.org/drawingml/2006/main" xmlns:r="http://schemas.openxmlformats.org/officeDocument/2006/relationships" xmlns:p="http://schemas.openxmlformats.org/presentationml/2006/main">
   <p:cSld>
     <p:spTree>

--- a/ServiceMesh/file/ServiceMesh.pptx
+++ b/ServiceMesh/file/ServiceMesh.pptx
@@ -5,7 +5,7 @@
     <p:sldMasterId id="2147483648" r:id="rId1"/>
   </p:sldMasterIdLst>
   <p:notesMasterIdLst>
-    <p:notesMasterId r:id="rId31"/>
+    <p:notesMasterId r:id="rId33"/>
   </p:notesMasterIdLst>
   <p:sldIdLst>
     <p:sldId id="256" r:id="rId2"/>
@@ -36,7 +36,9 @@
     <p:sldId id="390" r:id="rId27"/>
     <p:sldId id="387" r:id="rId28"/>
     <p:sldId id="388" r:id="rId29"/>
-    <p:sldId id="352" r:id="rId30"/>
+    <p:sldId id="391" r:id="rId30"/>
+    <p:sldId id="392" r:id="rId31"/>
+    <p:sldId id="352" r:id="rId32"/>
   </p:sldIdLst>
   <p:sldSz cx="12192000" cy="6858000"/>
   <p:notesSz cx="7104063" cy="10234613"/>
@@ -168,6 +170,8 @@
             <p14:sldId id="390"/>
             <p14:sldId id="387"/>
             <p14:sldId id="388"/>
+            <p14:sldId id="391"/>
+            <p14:sldId id="392"/>
             <p14:sldId id="352"/>
           </p14:sldIdLst>
         </p14:section>
@@ -9439,7 +9443,13 @@
       </p:grpSpPr>
       <p:sp>
         <p:nvSpPr>
-          <p:cNvPr id="3" name="标题 2"/>
+          <p:cNvPr id="2" name="标题 1">
+            <a:extLst>
+              <a:ext uri="{FF2B5EF4-FFF2-40B4-BE49-F238E27FC236}">
+                <a16:creationId xmlns:a16="http://schemas.microsoft.com/office/drawing/2014/main" id="{EE6162EB-E6D8-4B69-978C-5EF8A4462CAB}"/>
+              </a:ext>
+            </a:extLst>
+          </p:cNvPr>
           <p:cNvSpPr>
             <a:spLocks noGrp="1"/>
           </p:cNvSpPr>
@@ -9453,16 +9463,306 @@
           <a:lstStyle/>
           <a:p>
             <a:r>
-              <a:rPr lang="zh-CN" altLang="en-US" dirty="0">
-                <a:latin typeface="微软雅黑" panose="020B0503020204020204" pitchFamily="34" charset="-122"/>
-                <a:ea typeface="微软雅黑" panose="020B0503020204020204" pitchFamily="34" charset="-122"/>
-              </a:rPr>
-              <a:t>完 怼吧</a:t>
+              <a:rPr lang="en-US" altLang="zh-CN" dirty="0" err="1"/>
+              <a:t>BookInfo</a:t>
+            </a:r>
+            <a:endParaRPr lang="zh-CN" altLang="en-US" dirty="0"/>
+          </a:p>
+        </p:txBody>
+      </p:sp>
+      <p:sp>
+        <p:nvSpPr>
+          <p:cNvPr id="5" name="文本框 4">
+            <a:extLst>
+              <a:ext uri="{FF2B5EF4-FFF2-40B4-BE49-F238E27FC236}">
+                <a16:creationId xmlns:a16="http://schemas.microsoft.com/office/drawing/2014/main" id="{7CBC2501-566D-4D8D-B7B4-14DA7FAFEC02}"/>
+              </a:ext>
+            </a:extLst>
+          </p:cNvPr>
+          <p:cNvSpPr txBox="1"/>
+          <p:nvPr/>
+        </p:nvSpPr>
+        <p:spPr>
+          <a:xfrm>
+            <a:off x="838200" y="1690688"/>
+            <a:ext cx="10110216" cy="4801314"/>
+          </a:xfrm>
+          <a:prstGeom prst="rect">
+            <a:avLst/>
+          </a:prstGeom>
+          <a:noFill/>
+        </p:spPr>
+        <p:txBody>
+          <a:bodyPr wrap="square" rtlCol="0">
+            <a:spAutoFit/>
+          </a:bodyPr>
+          <a:lstStyle/>
+          <a:p>
+            <a:r>
+              <a:rPr lang="zh-CN" altLang="en-US" dirty="0"/>
+              <a:t>部署一个样例应用，它由四个单独的微服务构成，用来演示多种 </a:t>
+            </a:r>
+            <a:r>
+              <a:rPr lang="en-US" altLang="zh-CN" dirty="0" err="1"/>
+              <a:t>Istio</a:t>
+            </a:r>
+            <a:r>
+              <a:rPr lang="en-US" altLang="zh-CN" dirty="0"/>
+              <a:t> </a:t>
+            </a:r>
+            <a:r>
+              <a:rPr lang="zh-CN" altLang="en-US" dirty="0"/>
+              <a:t>特性。这个应用模仿在线书店的一个分类，显示一本书的信息。页面上会显示一本书的描述，书籍的细节（</a:t>
+            </a:r>
+            <a:r>
+              <a:rPr lang="en-US" altLang="zh-CN" dirty="0"/>
+              <a:t>ISBN</a:t>
+            </a:r>
+            <a:r>
+              <a:rPr lang="zh-CN" altLang="en-US" dirty="0"/>
+              <a:t>、页数等），以及关于这本书的一些评论。</a:t>
+            </a:r>
+          </a:p>
+          <a:p>
+            <a:r>
+              <a:rPr lang="en-US" altLang="zh-CN" dirty="0" err="1"/>
+              <a:t>Bookinfo</a:t>
+            </a:r>
+            <a:r>
+              <a:rPr lang="en-US" altLang="zh-CN" dirty="0"/>
+              <a:t> </a:t>
+            </a:r>
+            <a:r>
+              <a:rPr lang="zh-CN" altLang="en-US" dirty="0"/>
+              <a:t>应用分为四个单独的微服务：</a:t>
+            </a:r>
+          </a:p>
+          <a:p>
+            <a:pPr marL="342900" indent="-342900" latinLnBrk="1">
+              <a:buFont typeface="+mj-lt"/>
+              <a:buAutoNum type="arabicPeriod"/>
+            </a:pPr>
+            <a:r>
+              <a:rPr lang="en-US" altLang="zh-CN" dirty="0" err="1"/>
+              <a:t>productpage</a:t>
+            </a:r>
+            <a:r>
+              <a:rPr lang="en-US" altLang="zh-CN" dirty="0"/>
+              <a:t> </a:t>
+            </a:r>
+          </a:p>
+          <a:p>
+            <a:pPr lvl="1" latinLnBrk="1"/>
+            <a:r>
+              <a:rPr lang="en-US" altLang="zh-CN" dirty="0" err="1"/>
+              <a:t>productpage</a:t>
+            </a:r>
+            <a:r>
+              <a:rPr lang="en-US" altLang="zh-CN" dirty="0"/>
+              <a:t> </a:t>
+            </a:r>
+            <a:r>
+              <a:rPr lang="zh-CN" altLang="en-US" dirty="0"/>
+              <a:t>微服务会调用 </a:t>
+            </a:r>
+            <a:r>
+              <a:rPr lang="en-US" altLang="zh-CN" dirty="0"/>
+              <a:t>details </a:t>
+            </a:r>
+            <a:r>
+              <a:rPr lang="zh-CN" altLang="en-US" dirty="0"/>
+              <a:t>和 </a:t>
+            </a:r>
+            <a:r>
+              <a:rPr lang="en-US" altLang="zh-CN" dirty="0"/>
+              <a:t>reviews </a:t>
+            </a:r>
+            <a:r>
+              <a:rPr lang="zh-CN" altLang="en-US" dirty="0"/>
+              <a:t>两个微服务，用来生成页面。</a:t>
+            </a:r>
+          </a:p>
+          <a:p>
+            <a:pPr marL="342900" indent="-342900" latinLnBrk="1">
+              <a:buFont typeface="+mj-lt"/>
+              <a:buAutoNum type="arabicPeriod"/>
+            </a:pPr>
+            <a:r>
+              <a:rPr lang="en-US" altLang="zh-CN" dirty="0"/>
+              <a:t>details </a:t>
+            </a:r>
+          </a:p>
+          <a:p>
+            <a:pPr lvl="1" latinLnBrk="1"/>
+            <a:r>
+              <a:rPr lang="zh-CN" altLang="en-US" dirty="0"/>
+              <a:t>这个微服务包含了书籍的信息。</a:t>
+            </a:r>
+          </a:p>
+          <a:p>
+            <a:pPr marL="342900" indent="-342900" latinLnBrk="1">
+              <a:buFont typeface="+mj-lt"/>
+              <a:buAutoNum type="arabicPeriod"/>
+            </a:pPr>
+            <a:r>
+              <a:rPr lang="en-US" altLang="zh-CN" dirty="0"/>
+              <a:t>reviews </a:t>
+            </a:r>
+          </a:p>
+          <a:p>
+            <a:pPr lvl="1" latinLnBrk="1"/>
+            <a:r>
+              <a:rPr lang="zh-CN" altLang="en-US" dirty="0"/>
+              <a:t>这个微服务包含了书籍相关的评论。它还会调用 </a:t>
+            </a:r>
+            <a:r>
+              <a:rPr lang="en-US" altLang="zh-CN" dirty="0"/>
+              <a:t>ratings </a:t>
+            </a:r>
+            <a:r>
+              <a:rPr lang="zh-CN" altLang="en-US" dirty="0"/>
+              <a:t>微服务。</a:t>
+            </a:r>
+          </a:p>
+          <a:p>
+            <a:pPr marL="342900" indent="-342900" latinLnBrk="1">
+              <a:buFont typeface="+mj-lt"/>
+              <a:buAutoNum type="arabicPeriod"/>
+            </a:pPr>
+            <a:r>
+              <a:rPr lang="en-US" altLang="zh-CN" dirty="0"/>
+              <a:t>ratings </a:t>
+            </a:r>
+          </a:p>
+          <a:p>
+            <a:pPr lvl="1" latinLnBrk="1"/>
+            <a:r>
+              <a:rPr lang="en-US" altLang="zh-CN" dirty="0"/>
+              <a:t>ratings </a:t>
+            </a:r>
+            <a:r>
+              <a:rPr lang="zh-CN" altLang="en-US" dirty="0"/>
+              <a:t>微服务中包含了由书籍评价组成的评级信息。</a:t>
+            </a:r>
+          </a:p>
+          <a:p>
+            <a:endParaRPr lang="en-US" altLang="zh-CN" dirty="0"/>
+          </a:p>
+          <a:p>
+            <a:r>
+              <a:rPr lang="en-US" altLang="zh-CN" dirty="0"/>
+              <a:t>reviews </a:t>
+            </a:r>
+            <a:r>
+              <a:rPr lang="zh-CN" altLang="en-US" dirty="0"/>
+              <a:t>微服务有 </a:t>
+            </a:r>
+            <a:r>
+              <a:rPr lang="en-US" altLang="zh-CN" dirty="0"/>
+              <a:t>3 </a:t>
+            </a:r>
+            <a:r>
+              <a:rPr lang="zh-CN" altLang="en-US" dirty="0"/>
+              <a:t>个版本：</a:t>
+            </a:r>
+          </a:p>
+          <a:p>
+            <a:pPr latinLnBrk="1"/>
+            <a:r>
+              <a:rPr lang="en-US" altLang="zh-CN" dirty="0"/>
+              <a:t>v1 </a:t>
+            </a:r>
+            <a:r>
+              <a:rPr lang="zh-CN" altLang="en-US" dirty="0"/>
+              <a:t>版本不会调用 </a:t>
+            </a:r>
+            <a:r>
+              <a:rPr lang="en-US" altLang="zh-CN" dirty="0"/>
+              <a:t>ratings </a:t>
+            </a:r>
+            <a:r>
+              <a:rPr lang="zh-CN" altLang="en-US" dirty="0"/>
+              <a:t>服务。</a:t>
+            </a:r>
+          </a:p>
+          <a:p>
+            <a:pPr latinLnBrk="1"/>
+            <a:r>
+              <a:rPr lang="en-US" altLang="zh-CN" dirty="0"/>
+              <a:t>v2 </a:t>
+            </a:r>
+            <a:r>
+              <a:rPr lang="zh-CN" altLang="en-US" dirty="0"/>
+              <a:t>版本会调用 </a:t>
+            </a:r>
+            <a:r>
+              <a:rPr lang="en-US" altLang="zh-CN" dirty="0"/>
+              <a:t>ratings </a:t>
+            </a:r>
+            <a:r>
+              <a:rPr lang="zh-CN" altLang="en-US" dirty="0"/>
+              <a:t>服务，并使用 </a:t>
+            </a:r>
+            <a:r>
+              <a:rPr lang="en-US" altLang="zh-CN" dirty="0"/>
+              <a:t>1 </a:t>
+            </a:r>
+            <a:r>
+              <a:rPr lang="zh-CN" altLang="en-US" dirty="0"/>
+              <a:t>到 </a:t>
+            </a:r>
+            <a:r>
+              <a:rPr lang="en-US" altLang="zh-CN" dirty="0"/>
+              <a:t>5 </a:t>
+            </a:r>
+            <a:r>
+              <a:rPr lang="zh-CN" altLang="en-US" dirty="0"/>
+              <a:t>个黑色星形图标来显示评分信息。</a:t>
+            </a:r>
+          </a:p>
+          <a:p>
+            <a:pPr latinLnBrk="1"/>
+            <a:r>
+              <a:rPr lang="en-US" altLang="zh-CN" dirty="0"/>
+              <a:t>v3 </a:t>
+            </a:r>
+            <a:r>
+              <a:rPr lang="zh-CN" altLang="en-US" dirty="0"/>
+              <a:t>版本会调用 </a:t>
+            </a:r>
+            <a:r>
+              <a:rPr lang="en-US" altLang="zh-CN" dirty="0"/>
+              <a:t>ratings </a:t>
+            </a:r>
+            <a:r>
+              <a:rPr lang="zh-CN" altLang="en-US" dirty="0"/>
+              <a:t>服务，并使用 </a:t>
+            </a:r>
+            <a:r>
+              <a:rPr lang="en-US" altLang="zh-CN" dirty="0"/>
+              <a:t>1 </a:t>
+            </a:r>
+            <a:r>
+              <a:rPr lang="zh-CN" altLang="en-US" dirty="0"/>
+              <a:t>到 </a:t>
+            </a:r>
+            <a:r>
+              <a:rPr lang="en-US" altLang="zh-CN" dirty="0"/>
+              <a:t>5 </a:t>
+            </a:r>
+            <a:r>
+              <a:rPr lang="zh-CN" altLang="en-US" dirty="0"/>
+              <a:t>个红色星形图标来显示评分信息。</a:t>
             </a:r>
           </a:p>
         </p:txBody>
       </p:sp>
     </p:spTree>
+    <p:extLst>
+      <p:ext uri="{BB962C8B-B14F-4D97-AF65-F5344CB8AC3E}">
+        <p14:creationId xmlns:p14="http://schemas.microsoft.com/office/powerpoint/2010/main" val="2644832080"/>
+      </p:ext>
+    </p:extLst>
   </p:cSld>
   <p:clrMapOvr>
     <a:masterClrMapping/>
@@ -9693,6 +9993,156 @@
           </a:prstGeom>
         </p:spPr>
       </p:pic>
+    </p:spTree>
+  </p:cSld>
+  <p:clrMapOvr>
+    <a:masterClrMapping/>
+  </p:clrMapOvr>
+</p:sld>
+</file>
+
+<file path=ppt/slides/slide30.xml><?xml version="1.0" encoding="utf-8"?>
+<p:sld xmlns:a="http://schemas.openxmlformats.org/drawingml/2006/main" xmlns:r="http://schemas.openxmlformats.org/officeDocument/2006/relationships" xmlns:p="http://schemas.openxmlformats.org/presentationml/2006/main">
+  <p:cSld>
+    <p:spTree>
+      <p:nvGrpSpPr>
+        <p:cNvPr id="1" name=""/>
+        <p:cNvGrpSpPr/>
+        <p:nvPr/>
+      </p:nvGrpSpPr>
+      <p:grpSpPr>
+        <a:xfrm>
+          <a:off x="0" y="0"/>
+          <a:ext cx="0" cy="0"/>
+          <a:chOff x="0" y="0"/>
+          <a:chExt cx="0" cy="0"/>
+        </a:xfrm>
+      </p:grpSpPr>
+      <p:sp>
+        <p:nvSpPr>
+          <p:cNvPr id="2" name="标题 1">
+            <a:extLst>
+              <a:ext uri="{FF2B5EF4-FFF2-40B4-BE49-F238E27FC236}">
+                <a16:creationId xmlns:a16="http://schemas.microsoft.com/office/drawing/2014/main" id="{EE6162EB-E6D8-4B69-978C-5EF8A4462CAB}"/>
+              </a:ext>
+            </a:extLst>
+          </p:cNvPr>
+          <p:cNvSpPr>
+            <a:spLocks noGrp="1"/>
+          </p:cNvSpPr>
+          <p:nvPr>
+            <p:ph type="title"/>
+          </p:nvPr>
+        </p:nvSpPr>
+        <p:spPr>
+          <a:xfrm>
+            <a:off x="838200" y="322453"/>
+            <a:ext cx="10515600" cy="1325563"/>
+          </a:xfrm>
+        </p:spPr>
+        <p:txBody>
+          <a:bodyPr/>
+          <a:lstStyle/>
+          <a:p>
+            <a:r>
+              <a:rPr lang="zh-CN" altLang="en-US" sz="3600" dirty="0"/>
+              <a:t>下图展示了这个应用的端到端架构</a:t>
+            </a:r>
+            <a:endParaRPr lang="zh-CN" altLang="en-US" dirty="0"/>
+          </a:p>
+        </p:txBody>
+      </p:sp>
+      <p:pic>
+        <p:nvPicPr>
+          <p:cNvPr id="4" name="图片 3">
+            <a:extLst>
+              <a:ext uri="{FF2B5EF4-FFF2-40B4-BE49-F238E27FC236}">
+                <a16:creationId xmlns:a16="http://schemas.microsoft.com/office/drawing/2014/main" id="{8F99ED05-7DE1-4476-AB06-0F2672D406DB}"/>
+              </a:ext>
+            </a:extLst>
+          </p:cNvPr>
+          <p:cNvPicPr>
+            <a:picLocks noChangeAspect="1"/>
+          </p:cNvPicPr>
+          <p:nvPr/>
+        </p:nvPicPr>
+        <p:blipFill>
+          <a:blip r:embed="rId2">
+            <a:extLst>
+              <a:ext uri="{28A0092B-C50C-407E-A947-70E740481C1C}">
+                <a14:useLocalDpi xmlns:a14="http://schemas.microsoft.com/office/drawing/2010/main" val="0"/>
+              </a:ext>
+            </a:extLst>
+          </a:blip>
+          <a:stretch>
+            <a:fillRect/>
+          </a:stretch>
+        </p:blipFill>
+        <p:spPr>
+          <a:xfrm>
+            <a:off x="838200" y="1555926"/>
+            <a:ext cx="9662440" cy="5649545"/>
+          </a:xfrm>
+          <a:prstGeom prst="rect">
+            <a:avLst/>
+          </a:prstGeom>
+        </p:spPr>
+      </p:pic>
+    </p:spTree>
+    <p:extLst>
+      <p:ext uri="{BB962C8B-B14F-4D97-AF65-F5344CB8AC3E}">
+        <p14:creationId xmlns:p14="http://schemas.microsoft.com/office/powerpoint/2010/main" val="1710547350"/>
+      </p:ext>
+    </p:extLst>
+  </p:cSld>
+  <p:clrMapOvr>
+    <a:masterClrMapping/>
+  </p:clrMapOvr>
+</p:sld>
+</file>
+
+<file path=ppt/slides/slide31.xml><?xml version="1.0" encoding="utf-8"?>
+<p:sld xmlns:a="http://schemas.openxmlformats.org/drawingml/2006/main" xmlns:r="http://schemas.openxmlformats.org/officeDocument/2006/relationships" xmlns:p="http://schemas.openxmlformats.org/presentationml/2006/main">
+  <p:cSld>
+    <p:spTree>
+      <p:nvGrpSpPr>
+        <p:cNvPr id="1" name=""/>
+        <p:cNvGrpSpPr/>
+        <p:nvPr/>
+      </p:nvGrpSpPr>
+      <p:grpSpPr>
+        <a:xfrm>
+          <a:off x="0" y="0"/>
+          <a:ext cx="0" cy="0"/>
+          <a:chOff x="0" y="0"/>
+          <a:chExt cx="0" cy="0"/>
+        </a:xfrm>
+      </p:grpSpPr>
+      <p:sp>
+        <p:nvSpPr>
+          <p:cNvPr id="3" name="标题 2"/>
+          <p:cNvSpPr>
+            <a:spLocks noGrp="1"/>
+          </p:cNvSpPr>
+          <p:nvPr>
+            <p:ph type="title"/>
+          </p:nvPr>
+        </p:nvSpPr>
+        <p:spPr/>
+        <p:txBody>
+          <a:bodyPr/>
+          <a:lstStyle/>
+          <a:p>
+            <a:r>
+              <a:rPr lang="zh-CN" altLang="en-US" dirty="0">
+                <a:latin typeface="微软雅黑" panose="020B0503020204020204" pitchFamily="34" charset="-122"/>
+                <a:ea typeface="微软雅黑" panose="020B0503020204020204" pitchFamily="34" charset="-122"/>
+              </a:rPr>
+              <a:t>完 怼吧</a:t>
+            </a:r>
+          </a:p>
+        </p:txBody>
+      </p:sp>
     </p:spTree>
   </p:cSld>
   <p:clrMapOvr>

--- a/ServiceMesh/file/ServiceMesh.pptx
+++ b/ServiceMesh/file/ServiceMesh.pptx
@@ -5,7 +5,7 @@
     <p:sldMasterId id="2147483648" r:id="rId1"/>
   </p:sldMasterIdLst>
   <p:notesMasterIdLst>
-    <p:notesMasterId r:id="rId33"/>
+    <p:notesMasterId r:id="rId39"/>
   </p:notesMasterIdLst>
   <p:sldIdLst>
     <p:sldId id="256" r:id="rId2"/>
@@ -36,9 +36,15 @@
     <p:sldId id="390" r:id="rId27"/>
     <p:sldId id="387" r:id="rId28"/>
     <p:sldId id="388" r:id="rId29"/>
-    <p:sldId id="391" r:id="rId30"/>
-    <p:sldId id="392" r:id="rId31"/>
-    <p:sldId id="352" r:id="rId32"/>
+    <p:sldId id="393" r:id="rId30"/>
+    <p:sldId id="394" r:id="rId31"/>
+    <p:sldId id="395" r:id="rId32"/>
+    <p:sldId id="396" r:id="rId33"/>
+    <p:sldId id="397" r:id="rId34"/>
+    <p:sldId id="398" r:id="rId35"/>
+    <p:sldId id="391" r:id="rId36"/>
+    <p:sldId id="392" r:id="rId37"/>
+    <p:sldId id="352" r:id="rId38"/>
   </p:sldIdLst>
   <p:sldSz cx="12192000" cy="6858000"/>
   <p:notesSz cx="7104063" cy="10234613"/>
@@ -170,6 +176,12 @@
             <p14:sldId id="390"/>
             <p14:sldId id="387"/>
             <p14:sldId id="388"/>
+            <p14:sldId id="393"/>
+            <p14:sldId id="394"/>
+            <p14:sldId id="395"/>
+            <p14:sldId id="396"/>
+            <p14:sldId id="397"/>
+            <p14:sldId id="398"/>
             <p14:sldId id="391"/>
             <p14:sldId id="392"/>
             <p14:sldId id="352"/>
@@ -272,7 +284,7 @@
           <a:p>
             <a:fld id="{D2A48B96-639E-45A3-A0BA-2464DFDB1FAA}" type="datetimeFigureOut">
               <a:rPr lang="zh-CN" altLang="en-US" smtClean="0"/>
-              <a:t>2019/6/27</a:t>
+              <a:t>2019/6/28</a:t>
             </a:fld>
             <a:endParaRPr lang="zh-CN" altLang="en-US"/>
           </a:p>
@@ -1738,6 +1750,103 @@
 </p:notes>
 </file>
 
+<file path=ppt/notesSlides/notesSlide21.xml><?xml version="1.0" encoding="utf-8"?>
+<p:notes xmlns:a="http://schemas.openxmlformats.org/drawingml/2006/main" xmlns:r="http://schemas.openxmlformats.org/officeDocument/2006/relationships" xmlns:p="http://schemas.openxmlformats.org/presentationml/2006/main">
+  <p:cSld>
+    <p:spTree>
+      <p:nvGrpSpPr>
+        <p:cNvPr id="1" name=""/>
+        <p:cNvGrpSpPr/>
+        <p:nvPr/>
+      </p:nvGrpSpPr>
+      <p:grpSpPr>
+        <a:xfrm>
+          <a:off x="0" y="0"/>
+          <a:ext cx="0" cy="0"/>
+          <a:chOff x="0" y="0"/>
+          <a:chExt cx="0" cy="0"/>
+        </a:xfrm>
+      </p:grpSpPr>
+      <p:sp>
+        <p:nvSpPr>
+          <p:cNvPr id="2" name="幻灯片图像占位符 1"/>
+          <p:cNvSpPr>
+            <a:spLocks noGrp="1" noRot="1" noChangeAspect="1"/>
+          </p:cNvSpPr>
+          <p:nvPr>
+            <p:ph type="sldImg" idx="2"/>
+          </p:nvPr>
+        </p:nvSpPr>
+        <p:spPr>
+          <a:xfrm>
+            <a:off x="481013" y="1279525"/>
+            <a:ext cx="6140450" cy="3454400"/>
+          </a:xfrm>
+        </p:spPr>
+      </p:sp>
+      <p:sp>
+        <p:nvSpPr>
+          <p:cNvPr id="3" name="文本占位符 2"/>
+          <p:cNvSpPr>
+            <a:spLocks noGrp="1"/>
+          </p:cNvSpPr>
+          <p:nvPr>
+            <p:ph type="body" idx="3"/>
+          </p:nvPr>
+        </p:nvSpPr>
+        <p:spPr/>
+        <p:txBody>
+          <a:bodyPr/>
+          <a:lstStyle/>
+          <a:p>
+            <a:r>
+              <a:rPr lang="zh-CN" altLang="en-US"/>
+              <a:t>分析的角度：</a:t>
+            </a:r>
+          </a:p>
+          <a:p>
+            <a:r>
+              <a:rPr lang="zh-CN" altLang="en-US"/>
+              <a:t>一个集群消费</a:t>
+            </a:r>
+          </a:p>
+          <a:p>
+            <a:r>
+              <a:rPr lang="zh-CN" altLang="en-US"/>
+              <a:t>多个集群消费</a:t>
+            </a:r>
+          </a:p>
+          <a:p>
+            <a:r>
+              <a:rPr lang="zh-CN" altLang="en-US"/>
+              <a:t>数据存储</a:t>
+            </a:r>
+          </a:p>
+          <a:p>
+            <a:r>
+              <a:rPr lang="en-US" altLang="zh-CN"/>
+              <a:t>topic</a:t>
+            </a:r>
+            <a:r>
+              <a:rPr lang="zh-CN" altLang="en-US"/>
+              <a:t>增多到一定数量顺序写变为随机写</a:t>
+            </a:r>
+          </a:p>
+        </p:txBody>
+      </p:sp>
+    </p:spTree>
+    <p:extLst>
+      <p:ext uri="{BB962C8B-B14F-4D97-AF65-F5344CB8AC3E}">
+        <p14:creationId xmlns:p14="http://schemas.microsoft.com/office/powerpoint/2010/main" val="4012933873"/>
+      </p:ext>
+    </p:extLst>
+  </p:cSld>
+  <p:clrMapOvr>
+    <a:masterClrMapping/>
+  </p:clrMapOvr>
+</p:notes>
+</file>
+
 <file path=ppt/notesSlides/notesSlide3.xml><?xml version="1.0" encoding="utf-8"?>
 <p:notes xmlns:a="http://schemas.openxmlformats.org/drawingml/2006/main" xmlns:r="http://schemas.openxmlformats.org/officeDocument/2006/relationships" xmlns:p="http://schemas.openxmlformats.org/presentationml/2006/main">
   <p:cSld>
@@ -2546,7 +2655,7 @@
           <a:p>
             <a:fld id="{82F288E0-7875-42C4-84C8-98DBBD3BF4D2}" type="datetimeFigureOut">
               <a:rPr lang="zh-CN" altLang="en-US" smtClean="0"/>
-              <a:t>2019/6/27</a:t>
+              <a:t>2019/6/28</a:t>
             </a:fld>
             <a:endParaRPr lang="zh-CN" altLang="en-US"/>
           </a:p>
@@ -2692,7 +2801,7 @@
           <a:p>
             <a:fld id="{82F288E0-7875-42C4-84C8-98DBBD3BF4D2}" type="datetimeFigureOut">
               <a:rPr lang="zh-CN" altLang="en-US" smtClean="0"/>
-              <a:t>2019/6/27</a:t>
+              <a:t>2019/6/28</a:t>
             </a:fld>
             <a:endParaRPr lang="zh-CN" altLang="en-US"/>
           </a:p>
@@ -2855,7 +2964,7 @@
           <a:p>
             <a:fld id="{82F288E0-7875-42C4-84C8-98DBBD3BF4D2}" type="datetimeFigureOut">
               <a:rPr lang="zh-CN" altLang="en-US" smtClean="0"/>
-              <a:t>2019/6/27</a:t>
+              <a:t>2019/6/28</a:t>
             </a:fld>
             <a:endParaRPr lang="zh-CN" altLang="en-US"/>
           </a:p>
@@ -3095,7 +3204,7 @@
           <a:p>
             <a:fld id="{82F288E0-7875-42C4-84C8-98DBBD3BF4D2}" type="datetimeFigureOut">
               <a:rPr lang="zh-CN" altLang="en-US" smtClean="0"/>
-              <a:t>2019/6/27</a:t>
+              <a:t>2019/6/28</a:t>
             </a:fld>
             <a:endParaRPr lang="zh-CN" altLang="en-US"/>
           </a:p>
@@ -3319,7 +3428,7 @@
           <a:p>
             <a:fld id="{82F288E0-7875-42C4-84C8-98DBBD3BF4D2}" type="datetimeFigureOut">
               <a:rPr lang="zh-CN" altLang="en-US" smtClean="0"/>
-              <a:t>2019/6/27</a:t>
+              <a:t>2019/6/28</a:t>
             </a:fld>
             <a:endParaRPr lang="zh-CN" altLang="en-US"/>
           </a:p>
@@ -3678,7 +3787,7 @@
           <a:p>
             <a:fld id="{82F288E0-7875-42C4-84C8-98DBBD3BF4D2}" type="datetimeFigureOut">
               <a:rPr lang="zh-CN" altLang="en-US" smtClean="0"/>
-              <a:t>2019/6/27</a:t>
+              <a:t>2019/6/28</a:t>
             </a:fld>
             <a:endParaRPr lang="zh-CN" altLang="en-US"/>
           </a:p>
@@ -3790,7 +3899,7 @@
           <a:p>
             <a:fld id="{82F288E0-7875-42C4-84C8-98DBBD3BF4D2}" type="datetimeFigureOut">
               <a:rPr lang="zh-CN" altLang="en-US" smtClean="0"/>
-              <a:t>2019/6/27</a:t>
+              <a:t>2019/6/28</a:t>
             </a:fld>
             <a:endParaRPr lang="zh-CN" altLang="en-US"/>
           </a:p>
@@ -3880,7 +3989,7 @@
           <a:p>
             <a:fld id="{82F288E0-7875-42C4-84C8-98DBBD3BF4D2}" type="datetimeFigureOut">
               <a:rPr lang="zh-CN" altLang="en-US" smtClean="0"/>
-              <a:t>2019/6/27</a:t>
+              <a:t>2019/6/28</a:t>
             </a:fld>
             <a:endParaRPr lang="zh-CN" altLang="en-US"/>
           </a:p>
@@ -4127,7 +4236,7 @@
           <a:p>
             <a:fld id="{82F288E0-7875-42C4-84C8-98DBBD3BF4D2}" type="datetimeFigureOut">
               <a:rPr lang="zh-CN" altLang="en-US" smtClean="0"/>
-              <a:t>2019/6/27</a:t>
+              <a:t>2019/6/28</a:t>
             </a:fld>
             <a:endParaRPr lang="zh-CN" altLang="en-US"/>
           </a:p>
@@ -4300,7 +4409,7 @@
           <a:p>
             <a:fld id="{82F288E0-7875-42C4-84C8-98DBBD3BF4D2}" type="datetimeFigureOut">
               <a:rPr lang="zh-CN" altLang="en-US" smtClean="0"/>
-              <a:t>2019/6/27</a:t>
+              <a:t>2019/6/28</a:t>
             </a:fld>
             <a:endParaRPr lang="zh-CN" altLang="en-US"/>
           </a:p>
@@ -4506,7 +4615,7 @@
           <a:p>
             <a:fld id="{82F288E0-7875-42C4-84C8-98DBBD3BF4D2}" type="datetimeFigureOut">
               <a:rPr lang="zh-CN" altLang="en-US" smtClean="0"/>
-              <a:t>2019/6/27</a:t>
+              <a:t>2019/6/28</a:t>
             </a:fld>
             <a:endParaRPr lang="zh-CN" altLang="en-US"/>
           </a:p>
@@ -6160,6 +6269,10 @@
             </a:r>
           </a:p>
           <a:p>
+            <a:r>
+              <a:rPr lang="zh-CN" altLang="en-US" dirty="0"/>
+              <a:t/>
+            </a:r>
             <a:br>
               <a:rPr lang="zh-CN" altLang="en-US" dirty="0"/>
             </a:br>
@@ -6303,6 +6416,10 @@
             </a:r>
           </a:p>
           <a:p>
+            <a:r>
+              <a:rPr lang="zh-CN" altLang="en-US" dirty="0"/>
+              <a:t/>
+            </a:r>
             <a:br>
               <a:rPr lang="zh-CN" altLang="en-US" dirty="0"/>
             </a:br>
@@ -6348,6 +6465,10 @@
             </a:r>
           </a:p>
           <a:p>
+            <a:r>
+              <a:rPr lang="zh-CN" altLang="en-US" sz="2400" dirty="0"/>
+              <a:t/>
+            </a:r>
             <a:br>
               <a:rPr lang="zh-CN" altLang="en-US" sz="2400" dirty="0"/>
             </a:br>
@@ -6488,6 +6609,10 @@
             <a:endParaRPr lang="zh-CN" altLang="en-US" dirty="0"/>
           </a:p>
           <a:p>
+            <a:r>
+              <a:rPr lang="zh-CN" altLang="en-US" dirty="0"/>
+              <a:t/>
+            </a:r>
             <a:br>
               <a:rPr lang="zh-CN" altLang="en-US" dirty="0"/>
             </a:br>
@@ -6696,6 +6821,10 @@
             <a:endParaRPr lang="zh-CN" altLang="en-US" dirty="0"/>
           </a:p>
           <a:p>
+            <a:r>
+              <a:rPr lang="zh-CN" altLang="en-US" dirty="0"/>
+              <a:t/>
+            </a:r>
             <a:br>
               <a:rPr lang="zh-CN" altLang="en-US" dirty="0"/>
             </a:br>
@@ -6775,6 +6904,10 @@
             <a:endParaRPr lang="zh-CN" altLang="en-US" sz="2400" dirty="0"/>
           </a:p>
           <a:p>
+            <a:r>
+              <a:rPr lang="zh-CN" altLang="en-US" dirty="0"/>
+              <a:t/>
+            </a:r>
             <a:br>
               <a:rPr lang="zh-CN" altLang="en-US" dirty="0"/>
             </a:br>
@@ -6847,6 +6980,10 @@
             <a:endParaRPr lang="zh-CN" altLang="en-US" dirty="0"/>
           </a:p>
           <a:p>
+            <a:r>
+              <a:rPr lang="zh-CN" altLang="en-US" dirty="0"/>
+              <a:t/>
+            </a:r>
             <a:br>
               <a:rPr lang="zh-CN" altLang="en-US" dirty="0"/>
             </a:br>
@@ -6984,6 +7121,10 @@
             </a:r>
           </a:p>
           <a:p>
+            <a:r>
+              <a:rPr lang="zh-CN" altLang="en-US" dirty="0"/>
+              <a:t/>
+            </a:r>
             <a:br>
               <a:rPr lang="zh-CN" altLang="en-US" dirty="0"/>
             </a:br>
@@ -7061,6 +7202,10 @@
             <a:endParaRPr lang="zh-CN" altLang="en-US" dirty="0"/>
           </a:p>
           <a:p>
+            <a:r>
+              <a:rPr lang="zh-CN" altLang="en-US" dirty="0"/>
+              <a:t/>
+            </a:r>
             <a:br>
               <a:rPr lang="zh-CN" altLang="en-US" dirty="0"/>
             </a:br>
@@ -7137,6 +7282,10 @@
             </a:r>
           </a:p>
           <a:p>
+            <a:r>
+              <a:rPr lang="zh-CN" altLang="en-US" dirty="0"/>
+              <a:t/>
+            </a:r>
             <a:br>
               <a:rPr lang="zh-CN" altLang="en-US" dirty="0"/>
             </a:br>
@@ -7691,6 +7840,10 @@
             </a:r>
           </a:p>
           <a:p>
+            <a:r>
+              <a:rPr lang="zh-CN" altLang="en-US" dirty="0"/>
+              <a:t/>
+            </a:r>
             <a:br>
               <a:rPr lang="zh-CN" altLang="en-US" dirty="0"/>
             </a:br>
@@ -7766,6 +7919,10 @@
             </a:r>
           </a:p>
           <a:p>
+            <a:r>
+              <a:rPr lang="en-US" altLang="zh-CN" sz="2800" dirty="0"/>
+              <a:t/>
+            </a:r>
             <a:br>
               <a:rPr lang="en-US" altLang="zh-CN" sz="2800" dirty="0"/>
             </a:br>
@@ -7775,6 +7932,10 @@
             <a:endParaRPr lang="zh-CN" altLang="en-US" dirty="0"/>
           </a:p>
           <a:p>
+            <a:r>
+              <a:rPr lang="zh-CN" altLang="en-US" dirty="0"/>
+              <a:t/>
+            </a:r>
             <a:br>
               <a:rPr lang="zh-CN" altLang="en-US" dirty="0"/>
             </a:br>
@@ -7924,6 +8085,10 @@
             </a:r>
           </a:p>
           <a:p>
+            <a:r>
+              <a:rPr lang="zh-CN" altLang="en-US" dirty="0"/>
+              <a:t/>
+            </a:r>
             <a:br>
               <a:rPr lang="zh-CN" altLang="en-US" dirty="0"/>
             </a:br>
@@ -7933,6 +8098,10 @@
             <a:endParaRPr lang="zh-CN" altLang="en-US" dirty="0"/>
           </a:p>
           <a:p>
+            <a:r>
+              <a:rPr lang="zh-CN" altLang="en-US" dirty="0"/>
+              <a:t/>
+            </a:r>
             <a:br>
               <a:rPr lang="zh-CN" altLang="en-US" dirty="0"/>
             </a:br>
@@ -8019,6 +8188,10 @@
             <a:endParaRPr lang="zh-CN" altLang="en-US" dirty="0"/>
           </a:p>
           <a:p>
+            <a:r>
+              <a:rPr lang="zh-CN" altLang="en-US" dirty="0"/>
+              <a:t/>
+            </a:r>
             <a:br>
               <a:rPr lang="zh-CN" altLang="en-US" dirty="0"/>
             </a:br>
@@ -8218,12 +8391,24 @@
             <a:endParaRPr lang="zh-CN" altLang="en-US" dirty="0"/>
           </a:p>
           <a:p>
+            <a:r>
+              <a:rPr lang="zh-CN" altLang="en-US" sz="2800" dirty="0"/>
+              <a:t/>
+            </a:r>
             <a:br>
               <a:rPr lang="zh-CN" altLang="en-US" sz="2800" dirty="0"/>
             </a:br>
+            <a:r>
+              <a:rPr lang="en-US" altLang="zh-CN" sz="2800" dirty="0"/>
+              <a:t/>
+            </a:r>
             <a:br>
               <a:rPr lang="en-US" altLang="zh-CN" sz="2800" dirty="0"/>
             </a:br>
+            <a:r>
+              <a:rPr lang="en-US" altLang="zh-CN" sz="2800" dirty="0"/>
+              <a:t/>
+            </a:r>
             <a:br>
               <a:rPr lang="en-US" altLang="zh-CN" sz="2800" dirty="0"/>
             </a:br>
@@ -8233,6 +8418,10 @@
             <a:endParaRPr lang="zh-CN" altLang="en-US" dirty="0"/>
           </a:p>
           <a:p>
+            <a:r>
+              <a:rPr lang="zh-CN" altLang="en-US" dirty="0"/>
+              <a:t/>
+            </a:r>
             <a:br>
               <a:rPr lang="zh-CN" altLang="en-US" dirty="0"/>
             </a:br>
@@ -8294,12 +8483,24 @@
             <a:endParaRPr lang="zh-CN" altLang="en-US" dirty="0"/>
           </a:p>
           <a:p>
+            <a:r>
+              <a:rPr lang="zh-CN" altLang="en-US" sz="2800" dirty="0"/>
+              <a:t/>
+            </a:r>
             <a:br>
               <a:rPr lang="zh-CN" altLang="en-US" sz="2800" dirty="0"/>
             </a:br>
+            <a:r>
+              <a:rPr lang="en-US" altLang="zh-CN" sz="2800" dirty="0"/>
+              <a:t/>
+            </a:r>
             <a:br>
               <a:rPr lang="en-US" altLang="zh-CN" sz="2800" dirty="0"/>
             </a:br>
+            <a:r>
+              <a:rPr lang="en-US" altLang="zh-CN" sz="2800" dirty="0"/>
+              <a:t/>
+            </a:r>
             <a:br>
               <a:rPr lang="en-US" altLang="zh-CN" sz="2800" dirty="0"/>
             </a:br>
@@ -8309,6 +8510,10 @@
             <a:endParaRPr lang="zh-CN" altLang="en-US" dirty="0"/>
           </a:p>
           <a:p>
+            <a:r>
+              <a:rPr lang="zh-CN" altLang="en-US" dirty="0"/>
+              <a:t/>
+            </a:r>
             <a:br>
               <a:rPr lang="zh-CN" altLang="en-US" dirty="0"/>
             </a:br>
@@ -8355,6 +8560,10 @@
             <a:r>
               <a:rPr lang="en-US" altLang="zh-CN" dirty="0"/>
               <a:t>API</a:t>
+            </a:r>
+            <a:r>
+              <a:rPr lang="zh-CN" altLang="en-US" dirty="0"/>
+              <a:t/>
             </a:r>
             <a:br>
               <a:rPr lang="zh-CN" altLang="en-US" dirty="0"/>
@@ -8633,8 +8842,12 @@
           <a:lstStyle/>
           <a:p>
             <a:r>
-              <a:rPr lang="zh-CN" altLang="en-US" dirty="0"/>
-              <a:t>其他模板简单介绍</a:t>
+              <a:rPr lang="zh-CN" altLang="en-US" dirty="0" smtClean="0"/>
+              <a:t>其它模块简单</a:t>
+            </a:r>
+            <a:r>
+              <a:rPr lang="zh-CN" altLang="en-US" dirty="0"/>
+              <a:t>介绍</a:t>
             </a:r>
           </a:p>
         </p:txBody>
@@ -8675,6 +8888,10 @@
               <a:rPr lang="en-US" altLang="zh-CN" dirty="0"/>
               <a:t>Mixer</a:t>
             </a:r>
+            <a:r>
+              <a:rPr lang="zh-CN" altLang="en-US" dirty="0"/>
+              <a:t/>
+            </a:r>
             <a:br>
               <a:rPr lang="zh-CN" altLang="en-US" dirty="0"/>
             </a:br>
@@ -8713,6 +8930,10 @@
               <a:rPr lang="en-US" altLang="zh-CN" dirty="0"/>
               <a:t>Citadel</a:t>
             </a:r>
+            <a:r>
+              <a:rPr lang="zh-CN" altLang="en-US" dirty="0"/>
+              <a:t/>
+            </a:r>
             <a:br>
               <a:rPr lang="zh-CN" altLang="en-US" dirty="0"/>
             </a:br>
@@ -8754,6 +8975,10 @@
             <a:r>
               <a:rPr lang="en-US" altLang="zh-CN" dirty="0"/>
               <a:t>Galley</a:t>
+            </a:r>
+            <a:r>
+              <a:rPr lang="zh-CN" altLang="en-US" dirty="0"/>
+              <a:t/>
             </a:r>
             <a:br>
               <a:rPr lang="zh-CN" altLang="en-US" dirty="0"/>
@@ -8866,6 +9091,10 @@
             <a:endParaRPr lang="en-US" altLang="zh-CN" sz="2800" b="1" dirty="0"/>
           </a:p>
           <a:p>
+            <a:r>
+              <a:rPr lang="en-US" altLang="zh-CN" sz="2800" dirty="0"/>
+              <a:t/>
+            </a:r>
             <a:br>
               <a:rPr lang="en-US" altLang="zh-CN" sz="2800" dirty="0"/>
             </a:br>
@@ -8875,6 +9104,10 @@
             <a:endParaRPr lang="zh-CN" altLang="en-US" dirty="0"/>
           </a:p>
           <a:p>
+            <a:r>
+              <a:rPr lang="zh-CN" altLang="en-US" dirty="0"/>
+              <a:t/>
+            </a:r>
             <a:br>
               <a:rPr lang="zh-CN" altLang="en-US" dirty="0"/>
             </a:br>
@@ -9045,9 +9278,17 @@
               <a:rPr lang="zh-CN" altLang="en-US" b="1" dirty="0"/>
               <a:t>节点</a:t>
             </a:r>
+            <a:r>
+              <a:rPr lang="zh-CN" altLang="en-US" dirty="0"/>
+              <a:t/>
+            </a:r>
             <a:br>
               <a:rPr lang="zh-CN" altLang="en-US" dirty="0"/>
             </a:br>
+            <a:r>
+              <a:rPr lang="zh-CN" altLang="en-US" dirty="0"/>
+              <a:t/>
+            </a:r>
             <a:br>
               <a:rPr lang="zh-CN" altLang="en-US" dirty="0"/>
             </a:br>
@@ -9091,6 +9332,10 @@
               <a:rPr lang="zh-CN" altLang="en-US" dirty="0"/>
               <a:t>。</a:t>
             </a:r>
+            <a:r>
+              <a:rPr lang="en-US" altLang="zh-CN" dirty="0"/>
+              <a:t/>
+            </a:r>
             <a:br>
               <a:rPr lang="en-US" altLang="zh-CN" dirty="0"/>
             </a:br>
@@ -9102,6 +9347,10 @@
               <a:rPr lang="zh-CN" altLang="en-US" dirty="0"/>
               <a:t>是整个系统的对外接口，供客户端和其它组件调用，相当于“营业厅”。</a:t>
             </a:r>
+            <a:r>
+              <a:rPr lang="en-US" altLang="zh-CN" dirty="0"/>
+              <a:t/>
+            </a:r>
             <a:br>
               <a:rPr lang="en-US" altLang="zh-CN" dirty="0"/>
             </a:br>
@@ -9113,6 +9362,10 @@
               <a:rPr lang="zh-CN" altLang="en-US" dirty="0"/>
               <a:t>负责对集群内部的资源进行调度，相当于“调度室”。</a:t>
             </a:r>
+            <a:r>
+              <a:rPr lang="en-US" altLang="zh-CN" dirty="0"/>
+              <a:t/>
+            </a:r>
             <a:br>
               <a:rPr lang="en-US" altLang="zh-CN" dirty="0"/>
             </a:br>
@@ -9127,6 +9380,10 @@
             <a:br>
               <a:rPr lang="zh-CN" altLang="en-US" dirty="0"/>
             </a:br>
+            <a:r>
+              <a:rPr lang="zh-CN" altLang="en-US" dirty="0"/>
+              <a:t/>
+            </a:r>
             <a:br>
               <a:rPr lang="zh-CN" altLang="en-US" dirty="0"/>
             </a:br>
@@ -9203,6 +9460,10 @@
             <a:endParaRPr lang="en-US" altLang="zh-CN" sz="2800" b="1" dirty="0"/>
           </a:p>
           <a:p>
+            <a:r>
+              <a:rPr lang="en-US" altLang="zh-CN" sz="2800" dirty="0"/>
+              <a:t/>
+            </a:r>
             <a:br>
               <a:rPr lang="en-US" altLang="zh-CN" sz="2800" dirty="0"/>
             </a:br>
@@ -9212,6 +9473,10 @@
             <a:endParaRPr lang="zh-CN" altLang="en-US" dirty="0"/>
           </a:p>
           <a:p>
+            <a:r>
+              <a:rPr lang="zh-CN" altLang="en-US" dirty="0"/>
+              <a:t/>
+            </a:r>
             <a:br>
               <a:rPr lang="zh-CN" altLang="en-US" dirty="0"/>
             </a:br>
@@ -9247,6 +9512,10 @@
           </a:bodyPr>
           <a:lstStyle/>
           <a:p>
+            <a:r>
+              <a:rPr lang="zh-CN" altLang="en-US" dirty="0"/>
+              <a:t/>
+            </a:r>
             <a:br>
               <a:rPr lang="zh-CN" altLang="en-US" dirty="0"/>
             </a:br>
@@ -9313,6 +9582,10 @@
             <a:br>
               <a:rPr lang="zh-CN" altLang="en-US" dirty="0"/>
             </a:br>
+            <a:r>
+              <a:rPr lang="zh-CN" altLang="en-US" dirty="0"/>
+              <a:t/>
+            </a:r>
             <a:br>
               <a:rPr lang="zh-CN" altLang="en-US" dirty="0"/>
             </a:br>
@@ -9339,6 +9612,10 @@
             <a:r>
               <a:rPr lang="zh-CN" altLang="en-US" dirty="0"/>
               <a:t>代表着集群中运行的一个进程，它内部封装了一个或多个紧密相关的容器。</a:t>
+            </a:r>
+            <a:r>
+              <a:rPr lang="en-US" altLang="zh-CN" dirty="0"/>
+              <a:t/>
             </a:r>
             <a:br>
               <a:rPr lang="en-US" altLang="zh-CN" dirty="0"/>
@@ -9374,6 +9651,10 @@
               <a:rPr lang="zh-CN" altLang="en-US" dirty="0"/>
               <a:t>，包括创建、修改、监控、删除等。</a:t>
             </a:r>
+            <a:r>
+              <a:rPr lang="en-US" altLang="zh-CN" dirty="0"/>
+              <a:t/>
+            </a:r>
             <a:br>
               <a:rPr lang="en-US" altLang="zh-CN" dirty="0"/>
             </a:br>
@@ -9396,6 +9677,10 @@
             <a:r>
               <a:rPr lang="zh-CN" altLang="en-US" dirty="0"/>
               <a:t>对象提供代理。</a:t>
+            </a:r>
+            <a:r>
+              <a:rPr lang="en-US" altLang="zh-CN" dirty="0"/>
+              <a:t/>
             </a:r>
             <a:br>
               <a:rPr lang="en-US" altLang="zh-CN" dirty="0"/>
@@ -9443,13 +9728,7 @@
       </p:grpSpPr>
       <p:sp>
         <p:nvSpPr>
-          <p:cNvPr id="2" name="标题 1">
-            <a:extLst>
-              <a:ext uri="{FF2B5EF4-FFF2-40B4-BE49-F238E27FC236}">
-                <a16:creationId xmlns:a16="http://schemas.microsoft.com/office/drawing/2014/main" id="{EE6162EB-E6D8-4B69-978C-5EF8A4462CAB}"/>
-              </a:ext>
-            </a:extLst>
-          </p:cNvPr>
+          <p:cNvPr id="2" name="标题 1"/>
           <p:cNvSpPr>
             <a:spLocks noGrp="1"/>
           </p:cNvSpPr>
@@ -9463,8 +9742,12 @@
           <a:lstStyle/>
           <a:p>
             <a:r>
-              <a:rPr lang="en-US" altLang="zh-CN" dirty="0" err="1"/>
-              <a:t>BookInfo</a:t>
+              <a:rPr lang="en-US" altLang="zh-CN" dirty="0" err="1" smtClean="0"/>
+              <a:t>Istio</a:t>
+            </a:r>
+            <a:r>
+              <a:rPr lang="zh-CN" altLang="en-US" dirty="0" smtClean="0"/>
+              <a:t>中的流量管理</a:t>
             </a:r>
             <a:endParaRPr lang="zh-CN" altLang="en-US" dirty="0"/>
           </a:p>
@@ -9472,20 +9755,14 @@
       </p:sp>
       <p:sp>
         <p:nvSpPr>
-          <p:cNvPr id="5" name="文本框 4">
-            <a:extLst>
-              <a:ext uri="{FF2B5EF4-FFF2-40B4-BE49-F238E27FC236}">
-                <a16:creationId xmlns:a16="http://schemas.microsoft.com/office/drawing/2014/main" id="{7CBC2501-566D-4D8D-B7B4-14DA7FAFEC02}"/>
-              </a:ext>
-            </a:extLst>
-          </p:cNvPr>
+          <p:cNvPr id="6" name="文本框 5"/>
           <p:cNvSpPr txBox="1"/>
           <p:nvPr/>
         </p:nvSpPr>
         <p:spPr>
           <a:xfrm>
             <a:off x="838200" y="1690688"/>
-            <a:ext cx="10110216" cy="4801314"/>
+            <a:ext cx="9849928" cy="1754326"/>
           </a:xfrm>
           <a:prstGeom prst="rect">
             <a:avLst/>
@@ -9498,9 +9775,10 @@
           </a:bodyPr>
           <a:lstStyle/>
           <a:p>
-            <a:r>
-              <a:rPr lang="zh-CN" altLang="en-US" dirty="0"/>
-              <a:t>部署一个样例应用，它由四个单独的微服务构成，用来演示多种 </a:t>
+            <a:pPr fontAlgn="base"/>
+            <a:r>
+              <a:rPr lang="zh-CN" altLang="en-US" dirty="0"/>
+              <a:t>使用 </a:t>
             </a:r>
             <a:r>
               <a:rPr lang="en-US" altLang="zh-CN" dirty="0" err="1"/>
@@ -9512,21 +9790,104 @@
             </a:r>
             <a:r>
               <a:rPr lang="zh-CN" altLang="en-US" dirty="0"/>
-              <a:t>特性。这个应用模仿在线书店的一个分类，显示一本书的信息。页面上会显示一本书的描述，书籍的细节（</a:t>
-            </a:r>
-            <a:r>
-              <a:rPr lang="en-US" altLang="zh-CN" dirty="0"/>
-              <a:t>ISBN</a:t>
-            </a:r>
-            <a:r>
-              <a:rPr lang="zh-CN" altLang="en-US" dirty="0"/>
-              <a:t>、页数等），以及关于这本书的一些评论。</a:t>
-            </a:r>
-          </a:p>
+              <a:t>的流量管理模型，本质上是将流量与基础设施扩容解耦，让运维人员可以通过 </a:t>
+            </a:r>
+            <a:r>
+              <a:rPr lang="en-US" altLang="zh-CN" dirty="0"/>
+              <a:t>Pilot </a:t>
+            </a:r>
+            <a:r>
+              <a:rPr lang="zh-CN" altLang="en-US" dirty="0"/>
+              <a:t>指定流量遵循什么规则，而不是指定哪些 </a:t>
+            </a:r>
+            <a:r>
+              <a:rPr lang="en-US" altLang="zh-CN" dirty="0"/>
+              <a:t>pod/VM </a:t>
+            </a:r>
+            <a:r>
+              <a:rPr lang="zh-CN" altLang="en-US" dirty="0"/>
+              <a:t>应该接收流量</a:t>
+            </a:r>
+            <a:r>
+              <a:rPr lang="en-US" altLang="zh-CN" dirty="0"/>
+              <a:t>——Pilot </a:t>
+            </a:r>
+            <a:r>
+              <a:rPr lang="zh-CN" altLang="en-US" dirty="0"/>
+              <a:t>和智能 </a:t>
+            </a:r>
+            <a:r>
+              <a:rPr lang="en-US" altLang="zh-CN" dirty="0"/>
+              <a:t>Envoy </a:t>
+            </a:r>
+            <a:r>
+              <a:rPr lang="zh-CN" altLang="en-US" dirty="0"/>
+              <a:t>代理会帮我们搞定。因此，例如，您可以通过 </a:t>
+            </a:r>
+            <a:r>
+              <a:rPr lang="en-US" altLang="zh-CN" dirty="0"/>
+              <a:t>Pilot </a:t>
+            </a:r>
+            <a:r>
+              <a:rPr lang="zh-CN" altLang="en-US" dirty="0"/>
+              <a:t>指定特定服务的 </a:t>
+            </a:r>
+            <a:r>
+              <a:rPr lang="en-US" altLang="zh-CN" dirty="0"/>
+              <a:t>5</a:t>
+            </a:r>
+            <a:r>
+              <a:rPr lang="zh-CN" altLang="en-US" dirty="0"/>
+              <a:t>％ 流量可以转到金丝雀版本，而不必考虑金丝雀部署的大小，或根据请求的内容将流量发送到特定版本。</a:t>
+            </a:r>
+          </a:p>
+          <a:p>
+            <a:r>
+              <a:rPr lang="zh-CN" altLang="en-US" dirty="0">
+                <a:hlinkClick r:id="rId2" tooltip="Istio 流量管理"/>
+              </a:rPr>
+              <a:t/>
+            </a:r>
+            <a:br>
+              <a:rPr lang="zh-CN" altLang="en-US" dirty="0">
+                <a:hlinkClick r:id="rId2" tooltip="Istio 流量管理"/>
+              </a:rPr>
+            </a:br>
+            <a:endParaRPr lang="zh-CN" altLang="en-US" dirty="0"/>
+          </a:p>
+        </p:txBody>
+      </p:sp>
+      <p:sp>
+        <p:nvSpPr>
+          <p:cNvPr id="9" name="文本框 8">
+            <a:extLst>
+              <a:ext uri="{FF2B5EF4-FFF2-40B4-BE49-F238E27FC236}">
+                <a16:creationId xmlns:a16="http://schemas.microsoft.com/office/drawing/2014/main" id="{D3DDE8D0-3629-4276-B0D5-18BDE6BF496C}"/>
+              </a:ext>
+            </a:extLst>
+          </p:cNvPr>
+          <p:cNvSpPr txBox="1"/>
+          <p:nvPr/>
+        </p:nvSpPr>
+        <p:spPr>
+          <a:xfrm>
+            <a:off x="838200" y="3016251"/>
+            <a:ext cx="9643872" cy="1200329"/>
+          </a:xfrm>
+          <a:prstGeom prst="rect">
+            <a:avLst/>
+          </a:prstGeom>
+          <a:noFill/>
+        </p:spPr>
+        <p:txBody>
+          <a:bodyPr wrap="square" rtlCol="0">
+            <a:spAutoFit/>
+          </a:bodyPr>
+          <a:lstStyle/>
           <a:p>
             <a:r>
               <a:rPr lang="en-US" altLang="zh-CN" dirty="0" err="1"/>
-              <a:t>Bookinfo</a:t>
+              <a:t>Istio</a:t>
             </a:r>
             <a:r>
               <a:rPr lang="en-US" altLang="zh-CN" dirty="0"/>
@@ -9534,225 +9895,176 @@
             </a:r>
             <a:r>
               <a:rPr lang="zh-CN" altLang="en-US" dirty="0"/>
-              <a:t>应用分为四个单独的微服务：</a:t>
-            </a:r>
-          </a:p>
-          <a:p>
-            <a:pPr marL="342900" indent="-342900" latinLnBrk="1">
-              <a:buFont typeface="+mj-lt"/>
-              <a:buAutoNum type="arabicPeriod"/>
-            </a:pPr>
+              <a:t>引入了服务版本的概念，可以通过版本（</a:t>
+            </a:r>
+            <a:r>
+              <a:rPr lang="en-US" altLang="zh-CN" dirty="0"/>
+              <a:t>v1</a:t>
+            </a:r>
+            <a:r>
+              <a:rPr lang="zh-CN" altLang="en-US" dirty="0"/>
+              <a:t>、</a:t>
+            </a:r>
+            <a:r>
+              <a:rPr lang="en-US" altLang="zh-CN" dirty="0"/>
+              <a:t>v2</a:t>
+            </a:r>
+            <a:r>
+              <a:rPr lang="zh-CN" altLang="en-US" dirty="0"/>
+              <a:t>）或环境（</a:t>
+            </a:r>
+            <a:r>
+              <a:rPr lang="en-US" altLang="zh-CN" dirty="0"/>
+              <a:t>staging</a:t>
+            </a:r>
+            <a:r>
+              <a:rPr lang="zh-CN" altLang="en-US" dirty="0"/>
+              <a:t>、</a:t>
+            </a:r>
+            <a:r>
+              <a:rPr lang="en-US" altLang="zh-CN" dirty="0"/>
+              <a:t>prod</a:t>
+            </a:r>
+            <a:r>
+              <a:rPr lang="zh-CN" altLang="en-US" dirty="0"/>
+              <a:t>）对服务进行进一步的细分。这些版本不一定是不同的 </a:t>
+            </a:r>
+            <a:r>
+              <a:rPr lang="en-US" altLang="zh-CN" dirty="0"/>
+              <a:t>API </a:t>
+            </a:r>
+            <a:r>
+              <a:rPr lang="zh-CN" altLang="en-US" dirty="0"/>
+              <a:t>版本：它们可能是部署在不同环境（</a:t>
+            </a:r>
+            <a:r>
+              <a:rPr lang="en-US" altLang="zh-CN" dirty="0"/>
+              <a:t>prod</a:t>
+            </a:r>
+            <a:r>
+              <a:rPr lang="zh-CN" altLang="en-US" dirty="0"/>
+              <a:t>、</a:t>
+            </a:r>
+            <a:r>
+              <a:rPr lang="en-US" altLang="zh-CN" dirty="0"/>
+              <a:t>staging </a:t>
+            </a:r>
+            <a:r>
+              <a:rPr lang="zh-CN" altLang="en-US" dirty="0"/>
+              <a:t>或者 </a:t>
+            </a:r>
+            <a:r>
+              <a:rPr lang="en-US" altLang="zh-CN" dirty="0"/>
+              <a:t>dev </a:t>
+            </a:r>
+            <a:r>
+              <a:rPr lang="zh-CN" altLang="en-US" dirty="0"/>
+              <a:t>等）中的同一服务的不同迭代。使用这种方式的常见场景包括 </a:t>
+            </a:r>
+            <a:r>
+              <a:rPr lang="en-US" altLang="zh-CN" dirty="0"/>
+              <a:t>A/B </a:t>
+            </a:r>
+            <a:r>
+              <a:rPr lang="zh-CN" altLang="en-US" dirty="0"/>
+              <a:t>测试或金丝雀部署。</a:t>
+            </a:r>
             <a:r>
               <a:rPr lang="en-US" altLang="zh-CN" dirty="0" err="1"/>
-              <a:t>productpage</a:t>
+              <a:t>Istio</a:t>
             </a:r>
             <a:r>
               <a:rPr lang="en-US" altLang="zh-CN" dirty="0"/>
               <a:t> </a:t>
             </a:r>
-          </a:p>
-          <a:p>
-            <a:pPr lvl="1" latinLnBrk="1"/>
-            <a:r>
-              <a:rPr lang="en-US" altLang="zh-CN" dirty="0" err="1"/>
-              <a:t>productpage</a:t>
-            </a:r>
-            <a:r>
-              <a:rPr lang="en-US" altLang="zh-CN" dirty="0"/>
-              <a:t> </a:t>
-            </a:r>
-            <a:r>
-              <a:rPr lang="zh-CN" altLang="en-US" dirty="0"/>
-              <a:t>微服务会调用 </a:t>
-            </a:r>
-            <a:r>
-              <a:rPr lang="en-US" altLang="zh-CN" dirty="0"/>
-              <a:t>details </a:t>
-            </a:r>
-            <a:r>
-              <a:rPr lang="zh-CN" altLang="en-US" dirty="0"/>
-              <a:t>和 </a:t>
-            </a:r>
-            <a:r>
-              <a:rPr lang="en-US" altLang="zh-CN" dirty="0"/>
-              <a:t>reviews </a:t>
-            </a:r>
-            <a:r>
-              <a:rPr lang="zh-CN" altLang="en-US" dirty="0"/>
-              <a:t>两个微服务，用来生成页面。</a:t>
-            </a:r>
-          </a:p>
-          <a:p>
-            <a:pPr marL="342900" indent="-342900" latinLnBrk="1">
-              <a:buFont typeface="+mj-lt"/>
-              <a:buAutoNum type="arabicPeriod"/>
-            </a:pPr>
-            <a:r>
-              <a:rPr lang="en-US" altLang="zh-CN" dirty="0"/>
-              <a:t>details </a:t>
-            </a:r>
-          </a:p>
-          <a:p>
-            <a:pPr lvl="1" latinLnBrk="1"/>
-            <a:r>
-              <a:rPr lang="zh-CN" altLang="en-US" dirty="0"/>
-              <a:t>这个微服务包含了书籍的信息。</a:t>
-            </a:r>
-          </a:p>
-          <a:p>
-            <a:pPr marL="342900" indent="-342900" latinLnBrk="1">
-              <a:buFont typeface="+mj-lt"/>
-              <a:buAutoNum type="arabicPeriod"/>
-            </a:pPr>
-            <a:r>
-              <a:rPr lang="en-US" altLang="zh-CN" dirty="0"/>
-              <a:t>reviews </a:t>
-            </a:r>
-          </a:p>
-          <a:p>
-            <a:pPr lvl="1" latinLnBrk="1"/>
-            <a:r>
-              <a:rPr lang="zh-CN" altLang="en-US" dirty="0"/>
-              <a:t>这个微服务包含了书籍相关的评论。它还会调用 </a:t>
-            </a:r>
-            <a:r>
-              <a:rPr lang="en-US" altLang="zh-CN" dirty="0"/>
-              <a:t>ratings </a:t>
-            </a:r>
-            <a:r>
-              <a:rPr lang="zh-CN" altLang="en-US" dirty="0"/>
-              <a:t>微服务。</a:t>
-            </a:r>
-          </a:p>
-          <a:p>
-            <a:pPr marL="342900" indent="-342900" latinLnBrk="1">
-              <a:buFont typeface="+mj-lt"/>
-              <a:buAutoNum type="arabicPeriod"/>
-            </a:pPr>
-            <a:r>
-              <a:rPr lang="en-US" altLang="zh-CN" dirty="0"/>
-              <a:t>ratings </a:t>
-            </a:r>
-          </a:p>
-          <a:p>
-            <a:pPr lvl="1" latinLnBrk="1"/>
-            <a:r>
-              <a:rPr lang="en-US" altLang="zh-CN" dirty="0"/>
-              <a:t>ratings </a:t>
-            </a:r>
-            <a:r>
-              <a:rPr lang="zh-CN" altLang="en-US" dirty="0"/>
-              <a:t>微服务中包含了由书籍评价组成的评级信息。</a:t>
-            </a:r>
-          </a:p>
-          <a:p>
-            <a:endParaRPr lang="en-US" altLang="zh-CN" dirty="0"/>
-          </a:p>
-          <a:p>
-            <a:r>
-              <a:rPr lang="en-US" altLang="zh-CN" dirty="0"/>
-              <a:t>reviews </a:t>
-            </a:r>
-            <a:r>
-              <a:rPr lang="zh-CN" altLang="en-US" dirty="0"/>
-              <a:t>微服务有 </a:t>
-            </a:r>
-            <a:r>
-              <a:rPr lang="en-US" altLang="zh-CN" dirty="0"/>
-              <a:t>3 </a:t>
-            </a:r>
-            <a:r>
-              <a:rPr lang="zh-CN" altLang="en-US" dirty="0"/>
-              <a:t>个版本：</a:t>
-            </a:r>
-          </a:p>
-          <a:p>
-            <a:pPr latinLnBrk="1"/>
-            <a:r>
-              <a:rPr lang="en-US" altLang="zh-CN" dirty="0"/>
-              <a:t>v1 </a:t>
-            </a:r>
-            <a:r>
-              <a:rPr lang="zh-CN" altLang="en-US" dirty="0"/>
-              <a:t>版本不会调用 </a:t>
-            </a:r>
-            <a:r>
-              <a:rPr lang="en-US" altLang="zh-CN" dirty="0"/>
-              <a:t>ratings </a:t>
-            </a:r>
-            <a:r>
-              <a:rPr lang="zh-CN" altLang="en-US" dirty="0"/>
-              <a:t>服务。</a:t>
-            </a:r>
-          </a:p>
-          <a:p>
-            <a:pPr latinLnBrk="1"/>
-            <a:r>
-              <a:rPr lang="en-US" altLang="zh-CN" dirty="0"/>
-              <a:t>v2 </a:t>
-            </a:r>
-            <a:r>
-              <a:rPr lang="zh-CN" altLang="en-US" dirty="0"/>
-              <a:t>版本会调用 </a:t>
-            </a:r>
-            <a:r>
-              <a:rPr lang="en-US" altLang="zh-CN" dirty="0"/>
-              <a:t>ratings </a:t>
-            </a:r>
-            <a:r>
-              <a:rPr lang="zh-CN" altLang="en-US" dirty="0"/>
-              <a:t>服务，并使用 </a:t>
-            </a:r>
-            <a:r>
-              <a:rPr lang="en-US" altLang="zh-CN" dirty="0"/>
-              <a:t>1 </a:t>
-            </a:r>
-            <a:r>
-              <a:rPr lang="zh-CN" altLang="en-US" dirty="0"/>
-              <a:t>到 </a:t>
-            </a:r>
-            <a:r>
-              <a:rPr lang="en-US" altLang="zh-CN" dirty="0"/>
-              <a:t>5 </a:t>
-            </a:r>
-            <a:r>
-              <a:rPr lang="zh-CN" altLang="en-US" dirty="0"/>
-              <a:t>个黑色星形图标来显示评分信息。</a:t>
-            </a:r>
-          </a:p>
-          <a:p>
-            <a:pPr latinLnBrk="1"/>
-            <a:r>
-              <a:rPr lang="en-US" altLang="zh-CN" dirty="0"/>
-              <a:t>v3 </a:t>
-            </a:r>
-            <a:r>
-              <a:rPr lang="zh-CN" altLang="en-US" dirty="0"/>
-              <a:t>版本会调用 </a:t>
-            </a:r>
-            <a:r>
-              <a:rPr lang="en-US" altLang="zh-CN" dirty="0"/>
-              <a:t>ratings </a:t>
-            </a:r>
-            <a:r>
-              <a:rPr lang="zh-CN" altLang="en-US" dirty="0"/>
-              <a:t>服务，并使用 </a:t>
-            </a:r>
-            <a:r>
-              <a:rPr lang="en-US" altLang="zh-CN" dirty="0"/>
-              <a:t>1 </a:t>
-            </a:r>
-            <a:r>
-              <a:rPr lang="zh-CN" altLang="en-US" dirty="0"/>
-              <a:t>到 </a:t>
-            </a:r>
-            <a:r>
-              <a:rPr lang="en-US" altLang="zh-CN" dirty="0"/>
-              <a:t>5 </a:t>
-            </a:r>
-            <a:r>
-              <a:rPr lang="zh-CN" altLang="en-US" dirty="0"/>
-              <a:t>个红色星形图标来显示评分信息。</a:t>
+            <a:r>
+              <a:rPr lang="zh-CN" altLang="en-US" dirty="0"/>
+              <a:t>的</a:t>
+            </a:r>
+            <a:r>
+              <a:rPr lang="zh-CN" altLang="en-US" b="1" dirty="0">
+                <a:solidFill>
+                  <a:srgbClr val="FF0000"/>
+                </a:solidFill>
+              </a:rPr>
+              <a:t>流量路由规则</a:t>
+            </a:r>
+            <a:r>
+              <a:rPr lang="zh-CN" altLang="en-US" dirty="0"/>
+              <a:t>可以根据服务版本来对服务之间流量进行附加控制。</a:t>
+            </a:r>
+          </a:p>
+        </p:txBody>
+      </p:sp>
+      <p:sp>
+        <p:nvSpPr>
+          <p:cNvPr id="10" name="文本框 9"/>
+          <p:cNvSpPr txBox="1"/>
+          <p:nvPr/>
+        </p:nvSpPr>
+        <p:spPr>
+          <a:xfrm>
+            <a:off x="885012" y="4513671"/>
+            <a:ext cx="9550247" cy="923330"/>
+          </a:xfrm>
+          <a:prstGeom prst="rect">
+            <a:avLst/>
+          </a:prstGeom>
+          <a:noFill/>
+        </p:spPr>
+        <p:txBody>
+          <a:bodyPr wrap="square" rtlCol="0">
+            <a:spAutoFit/>
+          </a:bodyPr>
+          <a:lstStyle/>
+          <a:p>
+            <a:r>
+              <a:rPr lang="zh-CN" altLang="en-US" dirty="0" smtClean="0"/>
+              <a:t>但其实客户端对这个不同版本是无感的。</a:t>
+            </a:r>
+            <a:r>
+              <a:rPr lang="zh-CN" altLang="en-US" dirty="0"/>
+              <a:t>它们可以使用服务的主机名或者 </a:t>
+            </a:r>
+            <a:r>
+              <a:rPr lang="en-US" altLang="zh-CN" dirty="0"/>
+              <a:t>IP </a:t>
+            </a:r>
+            <a:r>
+              <a:rPr lang="zh-CN" altLang="en-US" dirty="0"/>
+              <a:t>地址继续访问服务。</a:t>
+            </a:r>
+            <a:r>
+              <a:rPr lang="en-US" altLang="zh-CN" dirty="0"/>
+              <a:t>Envoy sidecar/</a:t>
+            </a:r>
+            <a:r>
+              <a:rPr lang="zh-CN" altLang="en-US" dirty="0"/>
+              <a:t>代理拦截并转发客户端和服务器之间的所有请求和响应</a:t>
+            </a:r>
+            <a:r>
+              <a:rPr lang="zh-CN" altLang="en-US" dirty="0" smtClean="0"/>
+              <a:t>。</a:t>
+            </a:r>
+            <a:r>
+              <a:rPr lang="zh-CN" altLang="en-US" dirty="0"/>
+              <a:t>运维人员使用 </a:t>
+            </a:r>
+            <a:r>
+              <a:rPr lang="en-US" altLang="zh-CN" dirty="0"/>
+              <a:t>Pilot </a:t>
+            </a:r>
+            <a:r>
+              <a:rPr lang="zh-CN" altLang="en-US" dirty="0"/>
+              <a:t>指定路由规则，</a:t>
+            </a:r>
+            <a:r>
+              <a:rPr lang="en-US" altLang="zh-CN" dirty="0"/>
+              <a:t>Envoy </a:t>
+            </a:r>
+            <a:r>
+              <a:rPr lang="zh-CN" altLang="en-US" dirty="0"/>
+              <a:t>根据这些规则动态地确定其服务版本的实际选择。</a:t>
             </a:r>
           </a:p>
         </p:txBody>
@@ -9760,7 +10072,7 @@
     </p:spTree>
     <p:extLst>
       <p:ext uri="{BB962C8B-B14F-4D97-AF65-F5344CB8AC3E}">
-        <p14:creationId xmlns:p14="http://schemas.microsoft.com/office/powerpoint/2010/main" val="2644832080"/>
+        <p14:creationId xmlns:p14="http://schemas.microsoft.com/office/powerpoint/2010/main" val="3866912723"/>
       </p:ext>
     </p:extLst>
   </p:cSld>
@@ -10020,6 +10332,1400 @@
       </p:grpSpPr>
       <p:sp>
         <p:nvSpPr>
+          <p:cNvPr id="5" name="文本框 4">
+            <a:extLst>
+              <a:ext uri="{FF2B5EF4-FFF2-40B4-BE49-F238E27FC236}">
+                <a16:creationId xmlns:a16="http://schemas.microsoft.com/office/drawing/2014/main" id="{D3DDE8D0-3629-4276-B0D5-18BDE6BF496C}"/>
+              </a:ext>
+            </a:extLst>
+          </p:cNvPr>
+          <p:cNvSpPr txBox="1"/>
+          <p:nvPr/>
+        </p:nvSpPr>
+        <p:spPr>
+          <a:xfrm>
+            <a:off x="1042991" y="862244"/>
+            <a:ext cx="9643872" cy="2215991"/>
+          </a:xfrm>
+          <a:prstGeom prst="rect">
+            <a:avLst/>
+          </a:prstGeom>
+          <a:noFill/>
+        </p:spPr>
+        <p:txBody>
+          <a:bodyPr wrap="square" rtlCol="0">
+            <a:spAutoFit/>
+          </a:bodyPr>
+          <a:lstStyle/>
+          <a:p>
+            <a:endParaRPr lang="en-US" altLang="zh-CN" sz="2800" b="1" dirty="0"/>
+          </a:p>
+          <a:p>
+            <a:r>
+              <a:rPr lang="en-US" altLang="zh-CN" sz="2800" dirty="0"/>
+              <a:t/>
+            </a:r>
+            <a:br>
+              <a:rPr lang="en-US" altLang="zh-CN" sz="2800" dirty="0"/>
+            </a:br>
+            <a:endParaRPr lang="zh-CN" altLang="en-US" sz="2800" b="1" dirty="0"/>
+          </a:p>
+          <a:p>
+            <a:endParaRPr lang="zh-CN" altLang="en-US" dirty="0"/>
+          </a:p>
+          <a:p>
+            <a:r>
+              <a:rPr lang="zh-CN" altLang="en-US" dirty="0"/>
+              <a:t/>
+            </a:r>
+            <a:br>
+              <a:rPr lang="zh-CN" altLang="en-US" dirty="0"/>
+            </a:br>
+            <a:endParaRPr lang="zh-CN" altLang="en-US" dirty="0"/>
+          </a:p>
+        </p:txBody>
+      </p:sp>
+      <p:pic>
+        <p:nvPicPr>
+          <p:cNvPr id="4" name="图片 3"/>
+          <p:cNvPicPr>
+            <a:picLocks noChangeAspect="1"/>
+          </p:cNvPicPr>
+          <p:nvPr/>
+        </p:nvPicPr>
+        <p:blipFill>
+          <a:blip r:embed="rId3">
+            <a:extLst>
+              <a:ext uri="{28A0092B-C50C-407E-A947-70E740481C1C}">
+                <a14:useLocalDpi xmlns:a14="http://schemas.microsoft.com/office/drawing/2010/main" val="0"/>
+              </a:ext>
+            </a:extLst>
+          </a:blip>
+          <a:stretch>
+            <a:fillRect/>
+          </a:stretch>
+        </p:blipFill>
+        <p:spPr>
+          <a:xfrm>
+            <a:off x="2516354" y="482682"/>
+            <a:ext cx="6041049" cy="5641746"/>
+          </a:xfrm>
+          <a:prstGeom prst="rect">
+            <a:avLst/>
+          </a:prstGeom>
+        </p:spPr>
+      </p:pic>
+    </p:spTree>
+    <p:extLst>
+      <p:ext uri="{BB962C8B-B14F-4D97-AF65-F5344CB8AC3E}">
+        <p14:creationId xmlns:p14="http://schemas.microsoft.com/office/powerpoint/2010/main" val="1786155887"/>
+      </p:ext>
+    </p:extLst>
+  </p:cSld>
+  <p:clrMapOvr>
+    <a:masterClrMapping/>
+  </p:clrMapOvr>
+</p:sld>
+</file>
+
+<file path=ppt/slides/slide31.xml><?xml version="1.0" encoding="utf-8"?>
+<p:sld xmlns:a="http://schemas.openxmlformats.org/drawingml/2006/main" xmlns:r="http://schemas.openxmlformats.org/officeDocument/2006/relationships" xmlns:p="http://schemas.openxmlformats.org/presentationml/2006/main">
+  <p:cSld>
+    <p:spTree>
+      <p:nvGrpSpPr>
+        <p:cNvPr id="1" name=""/>
+        <p:cNvGrpSpPr/>
+        <p:nvPr/>
+      </p:nvGrpSpPr>
+      <p:grpSpPr>
+        <a:xfrm>
+          <a:off x="0" y="0"/>
+          <a:ext cx="0" cy="0"/>
+          <a:chOff x="0" y="0"/>
+          <a:chExt cx="0" cy="0"/>
+        </a:xfrm>
+      </p:grpSpPr>
+      <p:sp>
+        <p:nvSpPr>
+          <p:cNvPr id="2" name="标题 1"/>
+          <p:cNvSpPr>
+            <a:spLocks noGrp="1"/>
+          </p:cNvSpPr>
+          <p:nvPr>
+            <p:ph type="title"/>
+          </p:nvPr>
+        </p:nvSpPr>
+        <p:spPr>
+          <a:xfrm>
+            <a:off x="855453" y="580786"/>
+            <a:ext cx="10515600" cy="1325563"/>
+          </a:xfrm>
+        </p:spPr>
+        <p:txBody>
+          <a:bodyPr>
+            <a:normAutofit fontScale="90000"/>
+          </a:bodyPr>
+          <a:lstStyle/>
+          <a:p>
+            <a:pPr fontAlgn="base"/>
+            <a:r>
+              <a:rPr lang="zh-CN" altLang="en-US" b="1" dirty="0"/>
+              <a:t>规则配置</a:t>
+            </a:r>
+            <a:br>
+              <a:rPr lang="zh-CN" altLang="en-US" b="1" dirty="0"/>
+            </a:br>
+            <a:r>
+              <a:rPr lang="zh-CN" altLang="en-US" dirty="0"/>
+              <a:t/>
+            </a:r>
+            <a:br>
+              <a:rPr lang="zh-CN" altLang="en-US" dirty="0"/>
+            </a:br>
+            <a:endParaRPr lang="zh-CN" altLang="en-US" dirty="0"/>
+          </a:p>
+        </p:txBody>
+      </p:sp>
+      <p:sp>
+        <p:nvSpPr>
+          <p:cNvPr id="6" name="文本框 5"/>
+          <p:cNvSpPr txBox="1"/>
+          <p:nvPr/>
+        </p:nvSpPr>
+        <p:spPr>
+          <a:xfrm>
+            <a:off x="793630" y="1509623"/>
+            <a:ext cx="10791645" cy="1754326"/>
+          </a:xfrm>
+          <a:prstGeom prst="rect">
+            <a:avLst/>
+          </a:prstGeom>
+          <a:noFill/>
+        </p:spPr>
+        <p:txBody>
+          <a:bodyPr wrap="square" rtlCol="0">
+            <a:spAutoFit/>
+          </a:bodyPr>
+          <a:lstStyle/>
+          <a:p>
+            <a:r>
+              <a:rPr lang="en-US" altLang="zh-CN" dirty="0" err="1"/>
+              <a:t>Istio</a:t>
+            </a:r>
+            <a:r>
+              <a:rPr lang="en-US" altLang="zh-CN" dirty="0"/>
+              <a:t> </a:t>
+            </a:r>
+            <a:r>
+              <a:rPr lang="zh-CN" altLang="en-US" dirty="0"/>
+              <a:t>提供了一个简单的配置模型，用来控制 </a:t>
+            </a:r>
+            <a:r>
+              <a:rPr lang="en-US" altLang="zh-CN" dirty="0"/>
+              <a:t>API </a:t>
+            </a:r>
+            <a:r>
+              <a:rPr lang="zh-CN" altLang="en-US" dirty="0"/>
+              <a:t>调用以及应用部署内多个服务之间</a:t>
+            </a:r>
+            <a:r>
+              <a:rPr lang="zh-CN" altLang="en-US" dirty="0" smtClean="0"/>
+              <a:t>的通信</a:t>
+            </a:r>
+            <a:r>
+              <a:rPr lang="zh-CN" altLang="en-US" dirty="0"/>
+              <a:t>。运维人员可以使用这个模型来配置服务级别的属性，这些属性可以是断路器、超时、重试，以及一些普通的持续发布任务，例如金丝雀发布、</a:t>
+            </a:r>
+            <a:r>
+              <a:rPr lang="en-US" altLang="zh-CN" dirty="0"/>
+              <a:t>A/B </a:t>
+            </a:r>
+            <a:r>
+              <a:rPr lang="zh-CN" altLang="en-US" dirty="0"/>
+              <a:t>测试、使用百分比对流量进行控制，从而完成应用的逐步发布等。</a:t>
+            </a:r>
+          </a:p>
+          <a:p>
+            <a:endParaRPr lang="zh-CN" altLang="en-US" dirty="0"/>
+          </a:p>
+          <a:p>
+            <a:r>
+              <a:rPr lang="en-US" altLang="zh-CN" dirty="0" err="1"/>
+              <a:t>Istio</a:t>
+            </a:r>
+            <a:r>
+              <a:rPr lang="en-US" altLang="zh-CN" dirty="0"/>
+              <a:t> </a:t>
+            </a:r>
+            <a:r>
+              <a:rPr lang="zh-CN" altLang="en-US" dirty="0"/>
+              <a:t>中包含有四种流量管理配置资源，分别是 </a:t>
+            </a:r>
+            <a:r>
+              <a:rPr lang="en-US" altLang="zh-CN" dirty="0" err="1"/>
+              <a:t>VirtualService</a:t>
+            </a:r>
+            <a:r>
+              <a:rPr lang="zh-CN" altLang="en-US" dirty="0"/>
+              <a:t>、</a:t>
+            </a:r>
+            <a:r>
+              <a:rPr lang="en-US" altLang="zh-CN" dirty="0" err="1"/>
+              <a:t>DestinationRule</a:t>
+            </a:r>
+            <a:r>
+              <a:rPr lang="zh-CN" altLang="en-US" dirty="0"/>
+              <a:t>、</a:t>
+            </a:r>
+            <a:r>
+              <a:rPr lang="en-US" altLang="zh-CN" dirty="0" err="1"/>
+              <a:t>ServiceEntry</a:t>
+            </a:r>
+            <a:r>
+              <a:rPr lang="en-US" altLang="zh-CN" dirty="0"/>
+              <a:t> </a:t>
+            </a:r>
+            <a:r>
+              <a:rPr lang="zh-CN" altLang="en-US" dirty="0"/>
+              <a:t>以及 </a:t>
+            </a:r>
+            <a:r>
+              <a:rPr lang="en-US" altLang="zh-CN" dirty="0"/>
+              <a:t>Gateway</a:t>
+            </a:r>
+            <a:r>
+              <a:rPr lang="zh-CN" altLang="en-US" dirty="0" smtClean="0"/>
+              <a:t>。讲</a:t>
+            </a:r>
+            <a:r>
+              <a:rPr lang="zh-CN" altLang="en-US" dirty="0"/>
+              <a:t>一下这几个资源的一些重点</a:t>
+            </a:r>
+            <a:r>
+              <a:rPr lang="zh-CN" altLang="en-US" dirty="0" smtClean="0"/>
+              <a:t>。</a:t>
+            </a:r>
+            <a:endParaRPr lang="zh-CN" altLang="en-US" dirty="0"/>
+          </a:p>
+        </p:txBody>
+      </p:sp>
+      <p:sp>
+        <p:nvSpPr>
+          <p:cNvPr id="7" name="文本框 6"/>
+          <p:cNvSpPr txBox="1"/>
+          <p:nvPr/>
+        </p:nvSpPr>
+        <p:spPr>
+          <a:xfrm>
+            <a:off x="855453" y="3338422"/>
+            <a:ext cx="10729822" cy="1477328"/>
+          </a:xfrm>
+          <a:prstGeom prst="rect">
+            <a:avLst/>
+          </a:prstGeom>
+          <a:noFill/>
+        </p:spPr>
+        <p:txBody>
+          <a:bodyPr wrap="square" rtlCol="0">
+            <a:spAutoFit/>
+          </a:bodyPr>
+          <a:lstStyle/>
+          <a:p>
+            <a:pPr marL="285750" indent="-285750">
+              <a:buFont typeface="Arial" panose="020B0604020202020204" pitchFamily="34" charset="0"/>
+              <a:buChar char="•"/>
+            </a:pPr>
+            <a:r>
+              <a:rPr lang="en-US" altLang="zh-CN" dirty="0" err="1"/>
+              <a:t>VirtualService</a:t>
+            </a:r>
+            <a:r>
+              <a:rPr lang="en-US" altLang="zh-CN" dirty="0"/>
+              <a:t> </a:t>
+            </a:r>
+            <a:r>
+              <a:rPr lang="zh-CN" altLang="en-US" dirty="0"/>
+              <a:t>在 </a:t>
+            </a:r>
+            <a:r>
+              <a:rPr lang="en-US" altLang="zh-CN" dirty="0" err="1"/>
+              <a:t>Istio</a:t>
+            </a:r>
+            <a:r>
+              <a:rPr lang="en-US" altLang="zh-CN" dirty="0"/>
+              <a:t> </a:t>
+            </a:r>
+            <a:r>
+              <a:rPr lang="zh-CN" altLang="en-US" dirty="0"/>
+              <a:t>服务网格中定义路由规则，控制路由如何路由到服务上</a:t>
+            </a:r>
+            <a:r>
+              <a:rPr lang="zh-CN" altLang="en-US" dirty="0" smtClean="0"/>
+              <a:t>。</a:t>
+            </a:r>
+            <a:endParaRPr lang="zh-CN" altLang="en-US" dirty="0"/>
+          </a:p>
+          <a:p>
+            <a:pPr marL="285750" indent="-285750">
+              <a:buFont typeface="Arial" panose="020B0604020202020204" pitchFamily="34" charset="0"/>
+              <a:buChar char="•"/>
+            </a:pPr>
+            <a:r>
+              <a:rPr lang="en-US" altLang="zh-CN" dirty="0" err="1"/>
+              <a:t>DestinationRule</a:t>
+            </a:r>
+            <a:r>
+              <a:rPr lang="en-US" altLang="zh-CN" dirty="0"/>
+              <a:t> </a:t>
+            </a:r>
+            <a:r>
+              <a:rPr lang="zh-CN" altLang="en-US" dirty="0"/>
+              <a:t>是 </a:t>
+            </a:r>
+            <a:r>
+              <a:rPr lang="en-US" altLang="zh-CN" dirty="0" err="1"/>
+              <a:t>VirtualService</a:t>
+            </a:r>
+            <a:r>
+              <a:rPr lang="en-US" altLang="zh-CN" dirty="0"/>
+              <a:t> </a:t>
+            </a:r>
+            <a:r>
+              <a:rPr lang="zh-CN" altLang="en-US" dirty="0"/>
+              <a:t>路由生效后，配置应用与请求的策略集</a:t>
+            </a:r>
+            <a:r>
+              <a:rPr lang="zh-CN" altLang="en-US" dirty="0" smtClean="0"/>
+              <a:t>。</a:t>
+            </a:r>
+            <a:endParaRPr lang="zh-CN" altLang="en-US" dirty="0"/>
+          </a:p>
+          <a:p>
+            <a:pPr marL="285750" indent="-285750">
+              <a:buFont typeface="Arial" panose="020B0604020202020204" pitchFamily="34" charset="0"/>
+              <a:buChar char="•"/>
+            </a:pPr>
+            <a:r>
+              <a:rPr lang="en-US" altLang="zh-CN" dirty="0" err="1"/>
+              <a:t>ServiceEntry</a:t>
+            </a:r>
+            <a:r>
+              <a:rPr lang="en-US" altLang="zh-CN" dirty="0"/>
+              <a:t> </a:t>
+            </a:r>
+            <a:r>
+              <a:rPr lang="zh-CN" altLang="en-US" dirty="0"/>
+              <a:t>是通常用于在 </a:t>
+            </a:r>
+            <a:r>
+              <a:rPr lang="en-US" altLang="zh-CN" dirty="0" err="1"/>
+              <a:t>Istio</a:t>
+            </a:r>
+            <a:r>
+              <a:rPr lang="en-US" altLang="zh-CN" dirty="0"/>
+              <a:t> </a:t>
+            </a:r>
+            <a:r>
+              <a:rPr lang="zh-CN" altLang="en-US" dirty="0"/>
+              <a:t>服务网格之外启用对服务的请求</a:t>
+            </a:r>
+            <a:r>
+              <a:rPr lang="zh-CN" altLang="en-US" dirty="0" smtClean="0"/>
+              <a:t>。</a:t>
+            </a:r>
+            <a:endParaRPr lang="zh-CN" altLang="en-US" dirty="0"/>
+          </a:p>
+          <a:p>
+            <a:pPr marL="285750" indent="-285750">
+              <a:buFont typeface="Arial" panose="020B0604020202020204" pitchFamily="34" charset="0"/>
+              <a:buChar char="•"/>
+            </a:pPr>
+            <a:r>
+              <a:rPr lang="en-US" altLang="zh-CN" dirty="0"/>
+              <a:t>Gateway </a:t>
+            </a:r>
+            <a:r>
+              <a:rPr lang="zh-CN" altLang="en-US" dirty="0"/>
+              <a:t>为 </a:t>
+            </a:r>
+            <a:r>
+              <a:rPr lang="en-US" altLang="zh-CN" dirty="0"/>
+              <a:t>HTTP/TCP </a:t>
+            </a:r>
+            <a:r>
+              <a:rPr lang="zh-CN" altLang="en-US" dirty="0"/>
+              <a:t>流量配置负载均衡器，最常见的是在网格的边缘的操作，以启用应用程序的入口流量。</a:t>
+            </a:r>
+          </a:p>
+        </p:txBody>
+      </p:sp>
+    </p:spTree>
+    <p:extLst>
+      <p:ext uri="{BB962C8B-B14F-4D97-AF65-F5344CB8AC3E}">
+        <p14:creationId xmlns:p14="http://schemas.microsoft.com/office/powerpoint/2010/main" val="1438161426"/>
+      </p:ext>
+    </p:extLst>
+  </p:cSld>
+  <p:clrMapOvr>
+    <a:masterClrMapping/>
+  </p:clrMapOvr>
+</p:sld>
+</file>
+
+<file path=ppt/slides/slide32.xml><?xml version="1.0" encoding="utf-8"?>
+<p:sld xmlns:a="http://schemas.openxmlformats.org/drawingml/2006/main" xmlns:r="http://schemas.openxmlformats.org/officeDocument/2006/relationships" xmlns:p="http://schemas.openxmlformats.org/presentationml/2006/main">
+  <p:cSld>
+    <p:spTree>
+      <p:nvGrpSpPr>
+        <p:cNvPr id="1" name=""/>
+        <p:cNvGrpSpPr/>
+        <p:nvPr/>
+      </p:nvGrpSpPr>
+      <p:grpSpPr>
+        <a:xfrm>
+          <a:off x="0" y="0"/>
+          <a:ext cx="0" cy="0"/>
+          <a:chOff x="0" y="0"/>
+          <a:chExt cx="0" cy="0"/>
+        </a:xfrm>
+      </p:grpSpPr>
+      <p:pic>
+        <p:nvPicPr>
+          <p:cNvPr id="3" name="图片 2"/>
+          <p:cNvPicPr>
+            <a:picLocks noChangeAspect="1"/>
+          </p:cNvPicPr>
+          <p:nvPr/>
+        </p:nvPicPr>
+        <p:blipFill>
+          <a:blip r:embed="rId2">
+            <a:extLst>
+              <a:ext uri="{28A0092B-C50C-407E-A947-70E740481C1C}">
+                <a14:useLocalDpi xmlns:a14="http://schemas.microsoft.com/office/drawing/2010/main" val="0"/>
+              </a:ext>
+            </a:extLst>
+          </a:blip>
+          <a:stretch>
+            <a:fillRect/>
+          </a:stretch>
+        </p:blipFill>
+        <p:spPr>
+          <a:xfrm>
+            <a:off x="215661" y="997527"/>
+            <a:ext cx="11156829" cy="4371389"/>
+          </a:xfrm>
+          <a:prstGeom prst="rect">
+            <a:avLst/>
+          </a:prstGeom>
+        </p:spPr>
+      </p:pic>
+    </p:spTree>
+    <p:extLst>
+      <p:ext uri="{BB962C8B-B14F-4D97-AF65-F5344CB8AC3E}">
+        <p14:creationId xmlns:p14="http://schemas.microsoft.com/office/powerpoint/2010/main" val="473814418"/>
+      </p:ext>
+    </p:extLst>
+  </p:cSld>
+  <p:clrMapOvr>
+    <a:masterClrMapping/>
+  </p:clrMapOvr>
+</p:sld>
+</file>
+
+<file path=ppt/slides/slide33.xml><?xml version="1.0" encoding="utf-8"?>
+<p:sld xmlns:a="http://schemas.openxmlformats.org/drawingml/2006/main" xmlns:r="http://schemas.openxmlformats.org/officeDocument/2006/relationships" xmlns:p="http://schemas.openxmlformats.org/presentationml/2006/main">
+  <p:cSld>
+    <p:spTree>
+      <p:nvGrpSpPr>
+        <p:cNvPr id="1" name=""/>
+        <p:cNvGrpSpPr/>
+        <p:nvPr/>
+      </p:nvGrpSpPr>
+      <p:grpSpPr>
+        <a:xfrm>
+          <a:off x="0" y="0"/>
+          <a:ext cx="0" cy="0"/>
+          <a:chOff x="0" y="0"/>
+          <a:chExt cx="0" cy="0"/>
+        </a:xfrm>
+      </p:grpSpPr>
+      <p:sp>
+        <p:nvSpPr>
+          <p:cNvPr id="3" name="文本框 2"/>
+          <p:cNvSpPr txBox="1"/>
+          <p:nvPr/>
+        </p:nvSpPr>
+        <p:spPr>
+          <a:xfrm>
+            <a:off x="674298" y="3830129"/>
+            <a:ext cx="10246743" cy="2862322"/>
+          </a:xfrm>
+          <a:prstGeom prst="rect">
+            <a:avLst/>
+          </a:prstGeom>
+          <a:noFill/>
+        </p:spPr>
+        <p:txBody>
+          <a:bodyPr wrap="square" rtlCol="0">
+            <a:spAutoFit/>
+          </a:bodyPr>
+          <a:lstStyle/>
+          <a:p>
+            <a:r>
+              <a:rPr lang="en-US" altLang="zh-CN" dirty="0" smtClean="0"/>
+              <a:t>Gateway</a:t>
+            </a:r>
+            <a:r>
+              <a:rPr lang="zh-CN" altLang="en-US" dirty="0" smtClean="0"/>
+              <a:t>配置</a:t>
+            </a:r>
+            <a:endParaRPr lang="en-US" altLang="zh-CN" dirty="0" smtClean="0"/>
+          </a:p>
+          <a:p>
+            <a:pPr lvl="1"/>
+            <a:r>
+              <a:rPr lang="en-US" altLang="zh-CN" dirty="0" smtClean="0"/>
+              <a:t>selector</a:t>
+            </a:r>
+            <a:r>
+              <a:rPr lang="zh-CN" altLang="en-US" dirty="0"/>
+              <a:t>会将该设置与相应的</a:t>
+            </a:r>
+            <a:r>
+              <a:rPr lang="en-US" altLang="zh-CN" dirty="0"/>
+              <a:t>gateway pod</a:t>
+            </a:r>
+            <a:r>
+              <a:rPr lang="zh-CN" altLang="en-US" dirty="0"/>
+              <a:t>绑定。</a:t>
+            </a:r>
+          </a:p>
+          <a:p>
+            <a:pPr lvl="1"/>
+            <a:r>
+              <a:rPr lang="en-US" altLang="zh-CN" dirty="0" smtClean="0"/>
+              <a:t>servers</a:t>
+            </a:r>
+            <a:r>
+              <a:rPr lang="zh-CN" altLang="en-US" dirty="0"/>
+              <a:t>会在相应的</a:t>
+            </a:r>
+            <a:r>
+              <a:rPr lang="en-US" altLang="zh-CN" dirty="0"/>
+              <a:t>pod</a:t>
+            </a:r>
+            <a:r>
+              <a:rPr lang="zh-CN" altLang="en-US" dirty="0"/>
+              <a:t>中生成</a:t>
+            </a:r>
+            <a:r>
+              <a:rPr lang="en-US" altLang="zh-CN" dirty="0"/>
+              <a:t>listener</a:t>
+            </a:r>
+            <a:r>
+              <a:rPr lang="zh-CN" altLang="en-US" dirty="0"/>
+              <a:t>实例，该拓扑中的监听端口为</a:t>
+            </a:r>
+            <a:r>
+              <a:rPr lang="en-US" altLang="zh-CN" dirty="0"/>
+              <a:t>80</a:t>
+            </a:r>
+            <a:r>
+              <a:rPr lang="zh-CN" altLang="en-US" dirty="0"/>
+              <a:t>。</a:t>
+            </a:r>
+          </a:p>
+          <a:p>
+            <a:pPr lvl="1"/>
+            <a:r>
+              <a:rPr lang="en-US" altLang="zh-CN" dirty="0" smtClean="0"/>
+              <a:t>hosts</a:t>
+            </a:r>
+            <a:r>
+              <a:rPr lang="zh-CN" altLang="en-US" dirty="0"/>
+              <a:t>表示</a:t>
+            </a:r>
+            <a:r>
+              <a:rPr lang="en-US" altLang="zh-CN" dirty="0"/>
+              <a:t>listener</a:t>
+            </a:r>
+            <a:r>
+              <a:rPr lang="zh-CN" altLang="en-US" dirty="0"/>
+              <a:t>会向哪些特定的虚拟主机转发</a:t>
+            </a:r>
+            <a:r>
+              <a:rPr lang="zh-CN" altLang="en-US" dirty="0" smtClean="0"/>
+              <a:t>流量</a:t>
+            </a:r>
+            <a:endParaRPr lang="en-US" altLang="zh-CN" dirty="0" smtClean="0"/>
+          </a:p>
+          <a:p>
+            <a:endParaRPr lang="zh-CN" altLang="en-US" dirty="0"/>
+          </a:p>
+          <a:p>
+            <a:r>
+              <a:rPr lang="en-US" altLang="zh-CN" dirty="0" err="1" smtClean="0"/>
+              <a:t>virtualservice</a:t>
+            </a:r>
+            <a:r>
+              <a:rPr lang="zh-CN" altLang="en-US" dirty="0"/>
+              <a:t>定义。</a:t>
+            </a:r>
+          </a:p>
+          <a:p>
+            <a:pPr lvl="1"/>
+            <a:r>
+              <a:rPr lang="en-US" altLang="zh-CN" dirty="0" err="1" smtClean="0"/>
+              <a:t>virtualservice</a:t>
+            </a:r>
+            <a:r>
+              <a:rPr lang="zh-CN" altLang="en-US" dirty="0" smtClean="0"/>
+              <a:t>中</a:t>
+            </a:r>
+            <a:r>
+              <a:rPr lang="zh-CN" altLang="en-US" dirty="0"/>
+              <a:t>的</a:t>
+            </a:r>
+            <a:r>
+              <a:rPr lang="en-US" altLang="zh-CN" dirty="0"/>
+              <a:t>hosts</a:t>
+            </a:r>
+            <a:r>
+              <a:rPr lang="zh-CN" altLang="en-US" dirty="0"/>
+              <a:t>与</a:t>
+            </a:r>
+            <a:r>
+              <a:rPr lang="en-US" altLang="zh-CN" dirty="0"/>
+              <a:t>gateway</a:t>
+            </a:r>
+            <a:r>
+              <a:rPr lang="zh-CN" altLang="en-US" dirty="0"/>
+              <a:t>中的</a:t>
+            </a:r>
+            <a:r>
+              <a:rPr lang="en-US" altLang="zh-CN" dirty="0"/>
+              <a:t>hosts</a:t>
+            </a:r>
+            <a:r>
+              <a:rPr lang="zh-CN" altLang="en-US" dirty="0"/>
+              <a:t>相对应，表示该服务可以注册到</a:t>
+            </a:r>
+            <a:r>
+              <a:rPr lang="en-US" altLang="zh-CN" dirty="0"/>
+              <a:t>gateway</a:t>
+            </a:r>
+            <a:r>
+              <a:rPr lang="zh-CN" altLang="en-US" dirty="0"/>
+              <a:t>的监听</a:t>
+            </a:r>
+            <a:r>
+              <a:rPr lang="zh-CN" altLang="en-US" dirty="0" smtClean="0"/>
+              <a:t>中</a:t>
+            </a:r>
+            <a:r>
+              <a:rPr lang="zh-CN" altLang="en-US" dirty="0"/>
+              <a:t>。</a:t>
+            </a:r>
+            <a:r>
+              <a:rPr lang="en-US" altLang="zh-CN" dirty="0" err="1" smtClean="0"/>
+              <a:t>virtualservice</a:t>
+            </a:r>
+            <a:r>
+              <a:rPr lang="zh-CN" altLang="en-US" dirty="0"/>
+              <a:t>定义中的</a:t>
+            </a:r>
+            <a:r>
+              <a:rPr lang="en-US" altLang="zh-CN" dirty="0"/>
+              <a:t>gateways</a:t>
+            </a:r>
+            <a:r>
+              <a:rPr lang="zh-CN" altLang="en-US" dirty="0"/>
+              <a:t>将</a:t>
+            </a:r>
+            <a:r>
+              <a:rPr lang="en-US" altLang="zh-CN" dirty="0" err="1"/>
+              <a:t>virtualservice</a:t>
+            </a:r>
+            <a:r>
+              <a:rPr lang="zh-CN" altLang="en-US" dirty="0"/>
+              <a:t>与</a:t>
+            </a:r>
+            <a:r>
+              <a:rPr lang="en-US" altLang="zh-CN" dirty="0"/>
+              <a:t>gateway</a:t>
+            </a:r>
+            <a:r>
+              <a:rPr lang="zh-CN" altLang="en-US" dirty="0"/>
+              <a:t>关联起来。</a:t>
+            </a:r>
+          </a:p>
+          <a:p>
+            <a:pPr lvl="1"/>
+            <a:r>
+              <a:rPr lang="en-US" altLang="zh-CN" dirty="0" err="1"/>
+              <a:t>virtualservice</a:t>
+            </a:r>
+            <a:r>
+              <a:rPr lang="zh-CN" altLang="en-US" dirty="0"/>
+              <a:t>定义中的</a:t>
+            </a:r>
+            <a:r>
+              <a:rPr lang="en-US" altLang="zh-CN" dirty="0"/>
+              <a:t>http</a:t>
+            </a:r>
+            <a:r>
+              <a:rPr lang="zh-CN" altLang="en-US" dirty="0"/>
+              <a:t>定义了路由规则，路由规则会写入到相应</a:t>
+            </a:r>
+            <a:r>
+              <a:rPr lang="en-US" altLang="zh-CN" dirty="0"/>
+              <a:t>gateway pod</a:t>
+            </a:r>
+            <a:r>
+              <a:rPr lang="zh-CN" altLang="en-US" dirty="0"/>
+              <a:t>的路由表中</a:t>
+            </a:r>
+            <a:r>
+              <a:rPr lang="zh-CN" altLang="en-US" dirty="0" smtClean="0"/>
+              <a:t>。</a:t>
+            </a:r>
+            <a:endParaRPr lang="en-US" altLang="zh-CN" dirty="0" smtClean="0"/>
+          </a:p>
+          <a:p>
+            <a:endParaRPr lang="zh-CN" altLang="en-US" dirty="0"/>
+          </a:p>
+        </p:txBody>
+      </p:sp>
+      <p:pic>
+        <p:nvPicPr>
+          <p:cNvPr id="4" name="图片 3"/>
+          <p:cNvPicPr>
+            <a:picLocks noChangeAspect="1"/>
+          </p:cNvPicPr>
+          <p:nvPr/>
+        </p:nvPicPr>
+        <p:blipFill>
+          <a:blip r:embed="rId2">
+            <a:extLst>
+              <a:ext uri="{28A0092B-C50C-407E-A947-70E740481C1C}">
+                <a14:useLocalDpi xmlns:a14="http://schemas.microsoft.com/office/drawing/2010/main" val="0"/>
+              </a:ext>
+            </a:extLst>
+          </a:blip>
+          <a:stretch>
+            <a:fillRect/>
+          </a:stretch>
+        </p:blipFill>
+        <p:spPr>
+          <a:xfrm>
+            <a:off x="415506" y="508957"/>
+            <a:ext cx="5358527" cy="3321171"/>
+          </a:xfrm>
+          <a:prstGeom prst="rect">
+            <a:avLst/>
+          </a:prstGeom>
+        </p:spPr>
+      </p:pic>
+      <p:pic>
+        <p:nvPicPr>
+          <p:cNvPr id="5" name="图片 4"/>
+          <p:cNvPicPr>
+            <a:picLocks noChangeAspect="1"/>
+          </p:cNvPicPr>
+          <p:nvPr/>
+        </p:nvPicPr>
+        <p:blipFill>
+          <a:blip r:embed="rId3">
+            <a:extLst>
+              <a:ext uri="{28A0092B-C50C-407E-A947-70E740481C1C}">
+                <a14:useLocalDpi xmlns:a14="http://schemas.microsoft.com/office/drawing/2010/main" val="0"/>
+              </a:ext>
+            </a:extLst>
+          </a:blip>
+          <a:stretch>
+            <a:fillRect/>
+          </a:stretch>
+        </p:blipFill>
+        <p:spPr>
+          <a:xfrm>
+            <a:off x="6176699" y="678015"/>
+            <a:ext cx="5217883" cy="2983054"/>
+          </a:xfrm>
+          <a:prstGeom prst="rect">
+            <a:avLst/>
+          </a:prstGeom>
+        </p:spPr>
+      </p:pic>
+    </p:spTree>
+    <p:extLst>
+      <p:ext uri="{BB962C8B-B14F-4D97-AF65-F5344CB8AC3E}">
+        <p14:creationId xmlns:p14="http://schemas.microsoft.com/office/powerpoint/2010/main" val="3345242900"/>
+      </p:ext>
+    </p:extLst>
+  </p:cSld>
+  <p:clrMapOvr>
+    <a:masterClrMapping/>
+  </p:clrMapOvr>
+</p:sld>
+</file>
+
+<file path=ppt/slides/slide34.xml><?xml version="1.0" encoding="utf-8"?>
+<p:sld xmlns:a="http://schemas.openxmlformats.org/drawingml/2006/main" xmlns:r="http://schemas.openxmlformats.org/officeDocument/2006/relationships" xmlns:p="http://schemas.openxmlformats.org/presentationml/2006/main">
+  <p:cSld>
+    <p:spTree>
+      <p:nvGrpSpPr>
+        <p:cNvPr id="1" name=""/>
+        <p:cNvGrpSpPr/>
+        <p:nvPr/>
+      </p:nvGrpSpPr>
+      <p:grpSpPr>
+        <a:xfrm>
+          <a:off x="0" y="0"/>
+          <a:ext cx="0" cy="0"/>
+          <a:chOff x="0" y="0"/>
+          <a:chExt cx="0" cy="0"/>
+        </a:xfrm>
+      </p:grpSpPr>
+      <p:sp>
+        <p:nvSpPr>
+          <p:cNvPr id="2" name="标题 1"/>
+          <p:cNvSpPr>
+            <a:spLocks noGrp="1"/>
+          </p:cNvSpPr>
+          <p:nvPr>
+            <p:ph type="title"/>
+          </p:nvPr>
+        </p:nvSpPr>
+        <p:spPr/>
+        <p:txBody>
+          <a:bodyPr>
+            <a:normAutofit/>
+          </a:bodyPr>
+          <a:lstStyle/>
+          <a:p>
+            <a:r>
+              <a:rPr lang="zh-CN" altLang="en-US" sz="1600" b="1" dirty="0"/>
+              <a:t>将 </a:t>
+            </a:r>
+            <a:r>
+              <a:rPr lang="en-US" altLang="zh-CN" sz="1600" b="1" dirty="0"/>
+              <a:t>10% </a:t>
+            </a:r>
+            <a:r>
+              <a:rPr lang="zh-CN" altLang="en-US" sz="1600" b="1" dirty="0"/>
+              <a:t>请求发送到 </a:t>
+            </a:r>
+            <a:r>
+              <a:rPr lang="en-US" altLang="zh-CN" sz="1600" b="1" dirty="0"/>
+              <a:t>v2 </a:t>
+            </a:r>
+            <a:r>
+              <a:rPr lang="zh-CN" altLang="en-US" sz="1600" b="1" dirty="0"/>
+              <a:t>版本而其余 </a:t>
+            </a:r>
+            <a:r>
+              <a:rPr lang="en-US" altLang="zh-CN" sz="1600" b="1" dirty="0"/>
+              <a:t>90% </a:t>
+            </a:r>
+            <a:r>
+              <a:rPr lang="zh-CN" altLang="en-US" sz="1600" b="1" dirty="0"/>
+              <a:t>发送到 </a:t>
+            </a:r>
+            <a:r>
+              <a:rPr lang="en-US" altLang="zh-CN" sz="1600" b="1" dirty="0"/>
+              <a:t>v1 </a:t>
+            </a:r>
+            <a:r>
+              <a:rPr lang="zh-CN" altLang="en-US" sz="1600" b="1" dirty="0"/>
+              <a:t>版本</a:t>
+            </a:r>
+            <a:r>
+              <a:rPr lang="zh-CN" altLang="en-US" b="1" dirty="0"/>
+              <a:t/>
+            </a:r>
+            <a:br>
+              <a:rPr lang="zh-CN" altLang="en-US" b="1" dirty="0"/>
+            </a:br>
+            <a:endParaRPr lang="zh-CN" altLang="en-US" dirty="0"/>
+          </a:p>
+        </p:txBody>
+      </p:sp>
+      <p:pic>
+        <p:nvPicPr>
+          <p:cNvPr id="4" name="图片 3"/>
+          <p:cNvPicPr>
+            <a:picLocks noChangeAspect="1"/>
+          </p:cNvPicPr>
+          <p:nvPr/>
+        </p:nvPicPr>
+        <p:blipFill>
+          <a:blip r:embed="rId2">
+            <a:extLst>
+              <a:ext uri="{28A0092B-C50C-407E-A947-70E740481C1C}">
+                <a14:useLocalDpi xmlns:a14="http://schemas.microsoft.com/office/drawing/2010/main" val="0"/>
+              </a:ext>
+            </a:extLst>
+          </a:blip>
+          <a:stretch>
+            <a:fillRect/>
+          </a:stretch>
+        </p:blipFill>
+        <p:spPr>
+          <a:xfrm>
+            <a:off x="950344" y="1057174"/>
+            <a:ext cx="3305636" cy="3781953"/>
+          </a:xfrm>
+          <a:prstGeom prst="rect">
+            <a:avLst/>
+          </a:prstGeom>
+        </p:spPr>
+      </p:pic>
+      <p:pic>
+        <p:nvPicPr>
+          <p:cNvPr id="5" name="图片 4"/>
+          <p:cNvPicPr>
+            <a:picLocks noChangeAspect="1"/>
+          </p:cNvPicPr>
+          <p:nvPr/>
+        </p:nvPicPr>
+        <p:blipFill>
+          <a:blip r:embed="rId3">
+            <a:extLst>
+              <a:ext uri="{28A0092B-C50C-407E-A947-70E740481C1C}">
+                <a14:useLocalDpi xmlns:a14="http://schemas.microsoft.com/office/drawing/2010/main" val="0"/>
+              </a:ext>
+            </a:extLst>
+          </a:blip>
+          <a:stretch>
+            <a:fillRect/>
+          </a:stretch>
+        </p:blipFill>
+        <p:spPr>
+          <a:xfrm>
+            <a:off x="6443932" y="1166032"/>
+            <a:ext cx="3343742" cy="2772162"/>
+          </a:xfrm>
+          <a:prstGeom prst="rect">
+            <a:avLst/>
+          </a:prstGeom>
+        </p:spPr>
+      </p:pic>
+      <p:sp>
+        <p:nvSpPr>
+          <p:cNvPr id="6" name="文本框 5"/>
+          <p:cNvSpPr txBox="1"/>
+          <p:nvPr/>
+        </p:nvSpPr>
+        <p:spPr>
+          <a:xfrm>
+            <a:off x="6443932" y="609759"/>
+            <a:ext cx="4390846" cy="369332"/>
+          </a:xfrm>
+          <a:prstGeom prst="rect">
+            <a:avLst/>
+          </a:prstGeom>
+          <a:noFill/>
+        </p:spPr>
+        <p:txBody>
+          <a:bodyPr wrap="square" rtlCol="0">
+            <a:spAutoFit/>
+          </a:bodyPr>
+          <a:lstStyle/>
+          <a:p>
+            <a:r>
+              <a:rPr lang="zh-CN" altLang="en-US" dirty="0" smtClean="0"/>
+              <a:t>全部切换到</a:t>
+            </a:r>
+            <a:r>
+              <a:rPr lang="en-US" altLang="zh-CN" dirty="0" smtClean="0"/>
+              <a:t>v3</a:t>
+            </a:r>
+            <a:r>
+              <a:rPr lang="zh-CN" altLang="en-US" dirty="0" smtClean="0"/>
+              <a:t>版本</a:t>
+            </a:r>
+            <a:endParaRPr lang="zh-CN" altLang="en-US" dirty="0"/>
+          </a:p>
+        </p:txBody>
+      </p:sp>
+    </p:spTree>
+    <p:extLst>
+      <p:ext uri="{BB962C8B-B14F-4D97-AF65-F5344CB8AC3E}">
+        <p14:creationId xmlns:p14="http://schemas.microsoft.com/office/powerpoint/2010/main" val="3983927180"/>
+      </p:ext>
+    </p:extLst>
+  </p:cSld>
+  <p:clrMapOvr>
+    <a:masterClrMapping/>
+  </p:clrMapOvr>
+</p:sld>
+</file>
+
+<file path=ppt/slides/slide35.xml><?xml version="1.0" encoding="utf-8"?>
+<p:sld xmlns:a="http://schemas.openxmlformats.org/drawingml/2006/main" xmlns:r="http://schemas.openxmlformats.org/officeDocument/2006/relationships" xmlns:p="http://schemas.openxmlformats.org/presentationml/2006/main">
+  <p:cSld>
+    <p:spTree>
+      <p:nvGrpSpPr>
+        <p:cNvPr id="1" name=""/>
+        <p:cNvGrpSpPr/>
+        <p:nvPr/>
+      </p:nvGrpSpPr>
+      <p:grpSpPr>
+        <a:xfrm>
+          <a:off x="0" y="0"/>
+          <a:ext cx="0" cy="0"/>
+          <a:chOff x="0" y="0"/>
+          <a:chExt cx="0" cy="0"/>
+        </a:xfrm>
+      </p:grpSpPr>
+      <p:sp>
+        <p:nvSpPr>
+          <p:cNvPr id="2" name="标题 1">
+            <a:extLst>
+              <a:ext uri="{FF2B5EF4-FFF2-40B4-BE49-F238E27FC236}">
+                <a16:creationId xmlns:a16="http://schemas.microsoft.com/office/drawing/2014/main" id="{EE6162EB-E6D8-4B69-978C-5EF8A4462CAB}"/>
+              </a:ext>
+            </a:extLst>
+          </p:cNvPr>
+          <p:cNvSpPr>
+            <a:spLocks noGrp="1"/>
+          </p:cNvSpPr>
+          <p:nvPr>
+            <p:ph type="title"/>
+          </p:nvPr>
+        </p:nvSpPr>
+        <p:spPr/>
+        <p:txBody>
+          <a:bodyPr/>
+          <a:lstStyle/>
+          <a:p>
+            <a:r>
+              <a:rPr lang="en-US" altLang="zh-CN" dirty="0" err="1"/>
+              <a:t>BookInfo</a:t>
+            </a:r>
+            <a:endParaRPr lang="zh-CN" altLang="en-US" dirty="0"/>
+          </a:p>
+        </p:txBody>
+      </p:sp>
+      <p:sp>
+        <p:nvSpPr>
+          <p:cNvPr id="5" name="文本框 4">
+            <a:extLst>
+              <a:ext uri="{FF2B5EF4-FFF2-40B4-BE49-F238E27FC236}">
+                <a16:creationId xmlns:a16="http://schemas.microsoft.com/office/drawing/2014/main" id="{7CBC2501-566D-4D8D-B7B4-14DA7FAFEC02}"/>
+              </a:ext>
+            </a:extLst>
+          </p:cNvPr>
+          <p:cNvSpPr txBox="1"/>
+          <p:nvPr/>
+        </p:nvSpPr>
+        <p:spPr>
+          <a:xfrm>
+            <a:off x="838200" y="1690688"/>
+            <a:ext cx="10110216" cy="4801314"/>
+          </a:xfrm>
+          <a:prstGeom prst="rect">
+            <a:avLst/>
+          </a:prstGeom>
+          <a:noFill/>
+        </p:spPr>
+        <p:txBody>
+          <a:bodyPr wrap="square" rtlCol="0">
+            <a:spAutoFit/>
+          </a:bodyPr>
+          <a:lstStyle/>
+          <a:p>
+            <a:r>
+              <a:rPr lang="zh-CN" altLang="en-US" dirty="0"/>
+              <a:t>部署一个样例应用，它由四个单独的微服务构成，用来演示多种 </a:t>
+            </a:r>
+            <a:r>
+              <a:rPr lang="en-US" altLang="zh-CN" dirty="0" err="1"/>
+              <a:t>Istio</a:t>
+            </a:r>
+            <a:r>
+              <a:rPr lang="en-US" altLang="zh-CN" dirty="0"/>
+              <a:t> </a:t>
+            </a:r>
+            <a:r>
+              <a:rPr lang="zh-CN" altLang="en-US" dirty="0"/>
+              <a:t>特性。这个应用模仿在线书店的一个分类，显示一本书的信息。页面上会显示一本书的描述，书籍的细节（</a:t>
+            </a:r>
+            <a:r>
+              <a:rPr lang="en-US" altLang="zh-CN" dirty="0"/>
+              <a:t>ISBN</a:t>
+            </a:r>
+            <a:r>
+              <a:rPr lang="zh-CN" altLang="en-US" dirty="0"/>
+              <a:t>、页数等），以及关于这本书的一些评论。</a:t>
+            </a:r>
+          </a:p>
+          <a:p>
+            <a:r>
+              <a:rPr lang="en-US" altLang="zh-CN" dirty="0" err="1"/>
+              <a:t>Bookinfo</a:t>
+            </a:r>
+            <a:r>
+              <a:rPr lang="en-US" altLang="zh-CN" dirty="0"/>
+              <a:t> </a:t>
+            </a:r>
+            <a:r>
+              <a:rPr lang="zh-CN" altLang="en-US" dirty="0"/>
+              <a:t>应用分为四个单独的微服务：</a:t>
+            </a:r>
+          </a:p>
+          <a:p>
+            <a:pPr marL="342900" indent="-342900" latinLnBrk="1">
+              <a:buFont typeface="+mj-lt"/>
+              <a:buAutoNum type="arabicPeriod"/>
+            </a:pPr>
+            <a:r>
+              <a:rPr lang="en-US" altLang="zh-CN" dirty="0" err="1"/>
+              <a:t>productpage</a:t>
+            </a:r>
+            <a:r>
+              <a:rPr lang="en-US" altLang="zh-CN" dirty="0"/>
+              <a:t> </a:t>
+            </a:r>
+          </a:p>
+          <a:p>
+            <a:pPr lvl="1" latinLnBrk="1"/>
+            <a:r>
+              <a:rPr lang="en-US" altLang="zh-CN" dirty="0" err="1"/>
+              <a:t>productpage</a:t>
+            </a:r>
+            <a:r>
+              <a:rPr lang="en-US" altLang="zh-CN" dirty="0"/>
+              <a:t> </a:t>
+            </a:r>
+            <a:r>
+              <a:rPr lang="zh-CN" altLang="en-US" dirty="0"/>
+              <a:t>微服务会调用 </a:t>
+            </a:r>
+            <a:r>
+              <a:rPr lang="en-US" altLang="zh-CN" dirty="0"/>
+              <a:t>details </a:t>
+            </a:r>
+            <a:r>
+              <a:rPr lang="zh-CN" altLang="en-US" dirty="0"/>
+              <a:t>和 </a:t>
+            </a:r>
+            <a:r>
+              <a:rPr lang="en-US" altLang="zh-CN" dirty="0"/>
+              <a:t>reviews </a:t>
+            </a:r>
+            <a:r>
+              <a:rPr lang="zh-CN" altLang="en-US" dirty="0"/>
+              <a:t>两个微服务，用来生成页面。</a:t>
+            </a:r>
+          </a:p>
+          <a:p>
+            <a:pPr marL="342900" indent="-342900" latinLnBrk="1">
+              <a:buFont typeface="+mj-lt"/>
+              <a:buAutoNum type="arabicPeriod"/>
+            </a:pPr>
+            <a:r>
+              <a:rPr lang="en-US" altLang="zh-CN" dirty="0"/>
+              <a:t>details </a:t>
+            </a:r>
+          </a:p>
+          <a:p>
+            <a:pPr lvl="1" latinLnBrk="1"/>
+            <a:r>
+              <a:rPr lang="zh-CN" altLang="en-US" dirty="0"/>
+              <a:t>这个微服务包含了书籍的信息。</a:t>
+            </a:r>
+          </a:p>
+          <a:p>
+            <a:pPr marL="342900" indent="-342900" latinLnBrk="1">
+              <a:buFont typeface="+mj-lt"/>
+              <a:buAutoNum type="arabicPeriod"/>
+            </a:pPr>
+            <a:r>
+              <a:rPr lang="en-US" altLang="zh-CN" dirty="0"/>
+              <a:t>reviews </a:t>
+            </a:r>
+          </a:p>
+          <a:p>
+            <a:pPr lvl="1" latinLnBrk="1"/>
+            <a:r>
+              <a:rPr lang="zh-CN" altLang="en-US" dirty="0"/>
+              <a:t>这个微服务包含了书籍相关的评论。它还会调用 </a:t>
+            </a:r>
+            <a:r>
+              <a:rPr lang="en-US" altLang="zh-CN" dirty="0"/>
+              <a:t>ratings </a:t>
+            </a:r>
+            <a:r>
+              <a:rPr lang="zh-CN" altLang="en-US" dirty="0"/>
+              <a:t>微服务。</a:t>
+            </a:r>
+          </a:p>
+          <a:p>
+            <a:pPr marL="342900" indent="-342900" latinLnBrk="1">
+              <a:buFont typeface="+mj-lt"/>
+              <a:buAutoNum type="arabicPeriod"/>
+            </a:pPr>
+            <a:r>
+              <a:rPr lang="en-US" altLang="zh-CN" dirty="0"/>
+              <a:t>ratings </a:t>
+            </a:r>
+          </a:p>
+          <a:p>
+            <a:pPr lvl="1" latinLnBrk="1"/>
+            <a:r>
+              <a:rPr lang="en-US" altLang="zh-CN" dirty="0"/>
+              <a:t>ratings </a:t>
+            </a:r>
+            <a:r>
+              <a:rPr lang="zh-CN" altLang="en-US" dirty="0"/>
+              <a:t>微服务中包含了由书籍评价组成的评级信息。</a:t>
+            </a:r>
+          </a:p>
+          <a:p>
+            <a:endParaRPr lang="en-US" altLang="zh-CN" dirty="0"/>
+          </a:p>
+          <a:p>
+            <a:r>
+              <a:rPr lang="en-US" altLang="zh-CN" dirty="0"/>
+              <a:t>reviews </a:t>
+            </a:r>
+            <a:r>
+              <a:rPr lang="zh-CN" altLang="en-US" dirty="0"/>
+              <a:t>微服务有 </a:t>
+            </a:r>
+            <a:r>
+              <a:rPr lang="en-US" altLang="zh-CN" dirty="0"/>
+              <a:t>3 </a:t>
+            </a:r>
+            <a:r>
+              <a:rPr lang="zh-CN" altLang="en-US" dirty="0"/>
+              <a:t>个版本：</a:t>
+            </a:r>
+          </a:p>
+          <a:p>
+            <a:pPr latinLnBrk="1"/>
+            <a:r>
+              <a:rPr lang="en-US" altLang="zh-CN" dirty="0"/>
+              <a:t>v1 </a:t>
+            </a:r>
+            <a:r>
+              <a:rPr lang="zh-CN" altLang="en-US" dirty="0"/>
+              <a:t>版本不会调用 </a:t>
+            </a:r>
+            <a:r>
+              <a:rPr lang="en-US" altLang="zh-CN" dirty="0"/>
+              <a:t>ratings </a:t>
+            </a:r>
+            <a:r>
+              <a:rPr lang="zh-CN" altLang="en-US" dirty="0"/>
+              <a:t>服务。</a:t>
+            </a:r>
+          </a:p>
+          <a:p>
+            <a:pPr latinLnBrk="1"/>
+            <a:r>
+              <a:rPr lang="en-US" altLang="zh-CN" dirty="0"/>
+              <a:t>v2 </a:t>
+            </a:r>
+            <a:r>
+              <a:rPr lang="zh-CN" altLang="en-US" dirty="0"/>
+              <a:t>版本会调用 </a:t>
+            </a:r>
+            <a:r>
+              <a:rPr lang="en-US" altLang="zh-CN" dirty="0"/>
+              <a:t>ratings </a:t>
+            </a:r>
+            <a:r>
+              <a:rPr lang="zh-CN" altLang="en-US" dirty="0"/>
+              <a:t>服务，并使用 </a:t>
+            </a:r>
+            <a:r>
+              <a:rPr lang="en-US" altLang="zh-CN" dirty="0"/>
+              <a:t>1 </a:t>
+            </a:r>
+            <a:r>
+              <a:rPr lang="zh-CN" altLang="en-US" dirty="0"/>
+              <a:t>到 </a:t>
+            </a:r>
+            <a:r>
+              <a:rPr lang="en-US" altLang="zh-CN" dirty="0"/>
+              <a:t>5 </a:t>
+            </a:r>
+            <a:r>
+              <a:rPr lang="zh-CN" altLang="en-US" dirty="0"/>
+              <a:t>个黑色星形图标来显示评分信息。</a:t>
+            </a:r>
+          </a:p>
+          <a:p>
+            <a:pPr latinLnBrk="1"/>
+            <a:r>
+              <a:rPr lang="en-US" altLang="zh-CN" dirty="0"/>
+              <a:t>v3 </a:t>
+            </a:r>
+            <a:r>
+              <a:rPr lang="zh-CN" altLang="en-US" dirty="0"/>
+              <a:t>版本会调用 </a:t>
+            </a:r>
+            <a:r>
+              <a:rPr lang="en-US" altLang="zh-CN" dirty="0"/>
+              <a:t>ratings </a:t>
+            </a:r>
+            <a:r>
+              <a:rPr lang="zh-CN" altLang="en-US" dirty="0"/>
+              <a:t>服务，并使用 </a:t>
+            </a:r>
+            <a:r>
+              <a:rPr lang="en-US" altLang="zh-CN" dirty="0"/>
+              <a:t>1 </a:t>
+            </a:r>
+            <a:r>
+              <a:rPr lang="zh-CN" altLang="en-US" dirty="0"/>
+              <a:t>到 </a:t>
+            </a:r>
+            <a:r>
+              <a:rPr lang="en-US" altLang="zh-CN" dirty="0"/>
+              <a:t>5 </a:t>
+            </a:r>
+            <a:r>
+              <a:rPr lang="zh-CN" altLang="en-US" dirty="0"/>
+              <a:t>个红色星形图标来显示评分信息。</a:t>
+            </a:r>
+          </a:p>
+        </p:txBody>
+      </p:sp>
+    </p:spTree>
+    <p:extLst>
+      <p:ext uri="{BB962C8B-B14F-4D97-AF65-F5344CB8AC3E}">
+        <p14:creationId xmlns:p14="http://schemas.microsoft.com/office/powerpoint/2010/main" val="2644832080"/>
+      </p:ext>
+    </p:extLst>
+  </p:cSld>
+  <p:clrMapOvr>
+    <a:masterClrMapping/>
+  </p:clrMapOvr>
+</p:sld>
+</file>
+
+<file path=ppt/slides/slide36.xml><?xml version="1.0" encoding="utf-8"?>
+<p:sld xmlns:a="http://schemas.openxmlformats.org/drawingml/2006/main" xmlns:r="http://schemas.openxmlformats.org/officeDocument/2006/relationships" xmlns:p="http://schemas.openxmlformats.org/presentationml/2006/main">
+  <p:cSld>
+    <p:spTree>
+      <p:nvGrpSpPr>
+        <p:cNvPr id="1" name=""/>
+        <p:cNvGrpSpPr/>
+        <p:nvPr/>
+      </p:nvGrpSpPr>
+      <p:grpSpPr>
+        <a:xfrm>
+          <a:off x="0" y="0"/>
+          <a:ext cx="0" cy="0"/>
+          <a:chOff x="0" y="0"/>
+          <a:chExt cx="0" cy="0"/>
+        </a:xfrm>
+      </p:grpSpPr>
+      <p:sp>
+        <p:nvSpPr>
           <p:cNvPr id="2" name="标题 1">
             <a:extLst>
               <a:ext uri="{FF2B5EF4-FFF2-40B4-BE49-F238E27FC236}">
@@ -10080,7 +11786,7 @@
         </p:blipFill>
         <p:spPr>
           <a:xfrm>
-            <a:off x="838200" y="1555926"/>
+            <a:off x="976222" y="1357518"/>
             <a:ext cx="9662440" cy="5649545"/>
           </a:xfrm>
           <a:prstGeom prst="rect">
@@ -10101,7 +11807,7 @@
 </p:sld>
 </file>
 
-<file path=ppt/slides/slide31.xml><?xml version="1.0" encoding="utf-8"?>
+<file path=ppt/slides/slide37.xml><?xml version="1.0" encoding="utf-8"?>
 <p:sld xmlns:a="http://schemas.openxmlformats.org/drawingml/2006/main" xmlns:r="http://schemas.openxmlformats.org/officeDocument/2006/relationships" xmlns:p="http://schemas.openxmlformats.org/presentationml/2006/main">
   <p:cSld>
     <p:spTree>
@@ -10138,7 +11844,7 @@
                 <a:latin typeface="微软雅黑" panose="020B0503020204020204" pitchFamily="34" charset="-122"/>
                 <a:ea typeface="微软雅黑" panose="020B0503020204020204" pitchFamily="34" charset="-122"/>
               </a:rPr>
-              <a:t>完 怼吧</a:t>
+              <a:t>完 </a:t>
             </a:r>
           </a:p>
         </p:txBody>
@@ -10705,9 +12411,17 @@
             <a:endParaRPr lang="en-US" altLang="zh-CN" dirty="0"/>
           </a:p>
           <a:p>
+            <a:r>
+              <a:rPr lang="zh-CN" altLang="en-US" dirty="0"/>
+              <a:t/>
+            </a:r>
             <a:br>
               <a:rPr lang="zh-CN" altLang="en-US" dirty="0"/>
             </a:br>
+            <a:r>
+              <a:rPr lang="zh-CN" altLang="en-US" dirty="0"/>
+              <a:t/>
+            </a:r>
             <a:br>
               <a:rPr lang="zh-CN" altLang="en-US" dirty="0"/>
             </a:br>
@@ -10874,6 +12588,10 @@
             <a:endParaRPr lang="zh-CN" altLang="en-US" dirty="0"/>
           </a:p>
           <a:p>
+            <a:r>
+              <a:rPr lang="zh-CN" altLang="en-US" dirty="0"/>
+              <a:t/>
+            </a:r>
             <a:br>
               <a:rPr lang="zh-CN" altLang="en-US" dirty="0"/>
             </a:br>
